--- a/COMPUTATIONAL-PHYSICS/Presentation orale.pptx
+++ b/COMPUTATIONAL-PHYSICS/Presentation orale.pptx
@@ -2,16 +2,22 @@
 <file path=ppt/presentation.xml><?xml version="1.0" encoding="utf-8"?>
 <p:presentation xmlns:a="http://schemas.openxmlformats.org/drawingml/2006/main" xmlns:r="http://schemas.openxmlformats.org/officeDocument/2006/relationships" xmlns:p="http://schemas.openxmlformats.org/presentationml/2006/main" saveSubsetFonts="1">
   <p:sldMasterIdLst>
-    <p:sldMasterId id="2147483648" r:id="rId1"/>
+    <p:sldMasterId id="2147483648" r:id="rId4"/>
   </p:sldMasterIdLst>
   <p:sldIdLst>
-    <p:sldId id="256" r:id="rId2"/>
+    <p:sldId id="256" r:id="rId5"/>
+    <p:sldId id="257" r:id="rId6"/>
+    <p:sldId id="258" r:id="rId7"/>
+    <p:sldId id="259" r:id="rId8"/>
+    <p:sldId id="274" r:id="rId9"/>
+    <p:sldId id="275" r:id="rId10"/>
+    <p:sldId id="276" r:id="rId11"/>
   </p:sldIdLst>
   <p:sldSz cx="12192000" cy="6858000"/>
   <p:notesSz cx="6858000" cy="9144000"/>
   <p:defaultTextStyle>
     <a:defPPr>
-      <a:defRPr lang="fr-FR"/>
+      <a:defRPr lang="de-DE"/>
     </a:defPPr>
     <a:lvl1pPr marL="0" algn="l" defTabSz="914400" rtl="0" eaLnBrk="1" latinLnBrk="0" hangingPunct="1">
       <a:defRPr sz="1800" kern="1200">
@@ -104,7 +110,20 @@
       </a:defRPr>
     </a:lvl9pPr>
   </p:defaultTextStyle>
+  <p:extLst>
+    <p:ext uri="{EFAFB233-063F-42B5-8137-9DF3F51BA10A}">
+      <p15:sldGuideLst xmlns:p15="http://schemas.microsoft.com/office/powerpoint/2012/main"/>
+    </p:ext>
+  </p:extLst>
 </p:presentation>
+</file>
+
+<file path=ppt/revisionInfo.xml><?xml version="1.0" encoding="utf-8"?>
+<p1510:revInfo xmlns:a="http://schemas.openxmlformats.org/drawingml/2006/main" xmlns:r="http://schemas.openxmlformats.org/officeDocument/2006/relationships" xmlns:p1510="http://schemas.microsoft.com/office/powerpoint/2015/10/main">
+  <p1510:revLst>
+    <p1510:client id="{A96EEB4F-D0B0-4EA5-86B9-590B18482A8E}" v="36" dt="2021-04-04T00:34:33.579"/>
+  </p1510:revLst>
+</p1510:revInfo>
 </file>
 
 <file path=ppt/slideLayouts/slideLayout1.xml><?xml version="1.0" encoding="utf-8"?>
@@ -126,13 +145,7 @@
       </p:grpSpPr>
       <p:sp>
         <p:nvSpPr>
-          <p:cNvPr id="2" name="Titre 1">
-            <a:extLst>
-              <a:ext uri="{FF2B5EF4-FFF2-40B4-BE49-F238E27FC236}">
-                <a16:creationId xmlns:a16="http://schemas.microsoft.com/office/drawing/2014/main" id="{A8F12D0E-58AD-446A-B18C-7316B785A56A}"/>
-              </a:ext>
-            </a:extLst>
-          </p:cNvPr>
+          <p:cNvPr id="2" name="Titre 1"/>
           <p:cNvSpPr>
             <a:spLocks noGrp="1"/>
           </p:cNvSpPr>
@@ -158,19 +171,13 @@
               <a:rPr lang="fr-FR"/>
               <a:t>Modifiez le style du titre</a:t>
             </a:r>
-            <a:endParaRPr lang="fr-CA"/>
-          </a:p>
-        </p:txBody>
-      </p:sp>
-      <p:sp>
-        <p:nvSpPr>
-          <p:cNvPr id="3" name="Sous-titre 2">
-            <a:extLst>
-              <a:ext uri="{FF2B5EF4-FFF2-40B4-BE49-F238E27FC236}">
-                <a16:creationId xmlns:a16="http://schemas.microsoft.com/office/drawing/2014/main" id="{F6E63AA3-6569-44DD-96DA-9246157CAE12}"/>
-              </a:ext>
-            </a:extLst>
-          </p:cNvPr>
+            <a:endParaRPr lang="de-DE"/>
+          </a:p>
+        </p:txBody>
+      </p:sp>
+      <p:sp>
+        <p:nvSpPr>
+          <p:cNvPr id="3" name="Sous-titre 2"/>
           <p:cNvSpPr>
             <a:spLocks noGrp="1"/>
           </p:cNvSpPr>
@@ -229,19 +236,13 @@
               <a:rPr lang="fr-FR"/>
               <a:t>Modifiez le style des sous-titres du masque</a:t>
             </a:r>
-            <a:endParaRPr lang="fr-CA"/>
-          </a:p>
-        </p:txBody>
-      </p:sp>
-      <p:sp>
-        <p:nvSpPr>
-          <p:cNvPr id="4" name="Espace réservé de la date 3">
-            <a:extLst>
-              <a:ext uri="{FF2B5EF4-FFF2-40B4-BE49-F238E27FC236}">
-                <a16:creationId xmlns:a16="http://schemas.microsoft.com/office/drawing/2014/main" id="{FB1CDDEA-C667-4FA5-A0E3-39ED89FB8744}"/>
-              </a:ext>
-            </a:extLst>
-          </p:cNvPr>
+            <a:endParaRPr lang="de-DE"/>
+          </a:p>
+        </p:txBody>
+      </p:sp>
+      <p:sp>
+        <p:nvSpPr>
+          <p:cNvPr id="4" name="Espace réservé de la date 3"/>
           <p:cNvSpPr>
             <a:spLocks noGrp="1"/>
           </p:cNvSpPr>
@@ -254,23 +255,17 @@
           <a:bodyPr/>
           <a:lstStyle/>
           <a:p>
-            <a:fld id="{07072D54-3391-4270-A1E8-1F419DBB4D99}" type="datetimeFigureOut">
-              <a:rPr lang="fr-CA" smtClean="0"/>
-              <a:t>2021-03-19</a:t>
+            <a:fld id="{638941B0-F4D5-4460-BCAD-F7E2B41A8257}" type="datetimeFigureOut">
+              <a:rPr lang="de-DE" smtClean="0"/>
+              <a:t>03.04.2021</a:t>
             </a:fld>
-            <a:endParaRPr lang="fr-CA"/>
-          </a:p>
-        </p:txBody>
-      </p:sp>
-      <p:sp>
-        <p:nvSpPr>
-          <p:cNvPr id="5" name="Espace réservé du pied de page 4">
-            <a:extLst>
-              <a:ext uri="{FF2B5EF4-FFF2-40B4-BE49-F238E27FC236}">
-                <a16:creationId xmlns:a16="http://schemas.microsoft.com/office/drawing/2014/main" id="{76ABCEF7-107A-4E54-8F26-F88B2EE25306}"/>
-              </a:ext>
-            </a:extLst>
-          </p:cNvPr>
+            <a:endParaRPr lang="de-DE"/>
+          </a:p>
+        </p:txBody>
+      </p:sp>
+      <p:sp>
+        <p:nvSpPr>
+          <p:cNvPr id="5" name="Espace réservé du pied de page 4"/>
           <p:cNvSpPr>
             <a:spLocks noGrp="1"/>
           </p:cNvSpPr>
@@ -283,19 +278,13 @@
           <a:bodyPr/>
           <a:lstStyle/>
           <a:p>
-            <a:endParaRPr lang="fr-CA"/>
-          </a:p>
-        </p:txBody>
-      </p:sp>
-      <p:sp>
-        <p:nvSpPr>
-          <p:cNvPr id="6" name="Espace réservé du numéro de diapositive 5">
-            <a:extLst>
-              <a:ext uri="{FF2B5EF4-FFF2-40B4-BE49-F238E27FC236}">
-                <a16:creationId xmlns:a16="http://schemas.microsoft.com/office/drawing/2014/main" id="{D0656E4B-CAA1-4924-9E67-0C5ECE30EBA6}"/>
-              </a:ext>
-            </a:extLst>
-          </p:cNvPr>
+            <a:endParaRPr lang="de-DE"/>
+          </a:p>
+        </p:txBody>
+      </p:sp>
+      <p:sp>
+        <p:nvSpPr>
+          <p:cNvPr id="6" name="Espace réservé du numéro de diapositive 5"/>
           <p:cNvSpPr>
             <a:spLocks noGrp="1"/>
           </p:cNvSpPr>
@@ -308,18 +297,18 @@
           <a:bodyPr/>
           <a:lstStyle/>
           <a:p>
-            <a:fld id="{858922AC-956A-4D3F-A2E4-3E70219A67BC}" type="slidenum">
-              <a:rPr lang="fr-CA" smtClean="0"/>
+            <a:fld id="{27C6CCC6-2BE5-4E42-96A4-D1E8E81A3D8E}" type="slidenum">
+              <a:rPr lang="de-DE" smtClean="0"/>
               <a:t>‹N°›</a:t>
             </a:fld>
-            <a:endParaRPr lang="fr-CA"/>
+            <a:endParaRPr lang="de-DE"/>
           </a:p>
         </p:txBody>
       </p:sp>
     </p:spTree>
     <p:extLst>
       <p:ext uri="{BB962C8B-B14F-4D97-AF65-F5344CB8AC3E}">
-        <p14:creationId xmlns:p14="http://schemas.microsoft.com/office/powerpoint/2010/main" val="1494840044"/>
+        <p14:creationId xmlns:p14="http://schemas.microsoft.com/office/powerpoint/2010/main" val="3310491181"/>
       </p:ext>
     </p:extLst>
   </p:cSld>
@@ -348,13 +337,7 @@
       </p:grpSpPr>
       <p:sp>
         <p:nvSpPr>
-          <p:cNvPr id="2" name="Titre 1">
-            <a:extLst>
-              <a:ext uri="{FF2B5EF4-FFF2-40B4-BE49-F238E27FC236}">
-                <a16:creationId xmlns:a16="http://schemas.microsoft.com/office/drawing/2014/main" id="{A8A9C362-2F36-4261-A7F8-6A757295D290}"/>
-              </a:ext>
-            </a:extLst>
-          </p:cNvPr>
+          <p:cNvPr id="2" name="Titre 1"/>
           <p:cNvSpPr>
             <a:spLocks noGrp="1"/>
           </p:cNvSpPr>
@@ -371,19 +354,13 @@
               <a:rPr lang="fr-FR"/>
               <a:t>Modifiez le style du titre</a:t>
             </a:r>
-            <a:endParaRPr lang="fr-CA"/>
-          </a:p>
-        </p:txBody>
-      </p:sp>
-      <p:sp>
-        <p:nvSpPr>
-          <p:cNvPr id="3" name="Espace réservé du texte vertical 2">
-            <a:extLst>
-              <a:ext uri="{FF2B5EF4-FFF2-40B4-BE49-F238E27FC236}">
-                <a16:creationId xmlns:a16="http://schemas.microsoft.com/office/drawing/2014/main" id="{8C2A3F50-B462-430D-85B1-CBA0F72F51CA}"/>
-              </a:ext>
-            </a:extLst>
-          </p:cNvPr>
+            <a:endParaRPr lang="de-DE"/>
+          </a:p>
+        </p:txBody>
+      </p:sp>
+      <p:sp>
+        <p:nvSpPr>
+          <p:cNvPr id="3" name="Espace réservé du texte vertical 2"/>
           <p:cNvSpPr>
             <a:spLocks noGrp="1"/>
           </p:cNvSpPr>
@@ -399,7 +376,7 @@
             <a:pPr lvl="0"/>
             <a:r>
               <a:rPr lang="fr-FR"/>
-              <a:t>Cliquez pour modifier les styles du texte du masque</a:t>
+              <a:t>Modifiez les styles du texte du masque</a:t>
             </a:r>
           </a:p>
           <a:p>
@@ -429,19 +406,13 @@
               <a:rPr lang="fr-FR"/>
               <a:t>Cinquième niveau</a:t>
             </a:r>
-            <a:endParaRPr lang="fr-CA"/>
-          </a:p>
-        </p:txBody>
-      </p:sp>
-      <p:sp>
-        <p:nvSpPr>
-          <p:cNvPr id="4" name="Espace réservé de la date 3">
-            <a:extLst>
-              <a:ext uri="{FF2B5EF4-FFF2-40B4-BE49-F238E27FC236}">
-                <a16:creationId xmlns:a16="http://schemas.microsoft.com/office/drawing/2014/main" id="{F80AA8DD-9C78-4491-83CB-DFA21114F809}"/>
-              </a:ext>
-            </a:extLst>
-          </p:cNvPr>
+            <a:endParaRPr lang="de-DE"/>
+          </a:p>
+        </p:txBody>
+      </p:sp>
+      <p:sp>
+        <p:nvSpPr>
+          <p:cNvPr id="4" name="Espace réservé de la date 3"/>
           <p:cNvSpPr>
             <a:spLocks noGrp="1"/>
           </p:cNvSpPr>
@@ -454,23 +425,17 @@
           <a:bodyPr/>
           <a:lstStyle/>
           <a:p>
-            <a:fld id="{07072D54-3391-4270-A1E8-1F419DBB4D99}" type="datetimeFigureOut">
-              <a:rPr lang="fr-CA" smtClean="0"/>
-              <a:t>2021-03-19</a:t>
+            <a:fld id="{638941B0-F4D5-4460-BCAD-F7E2B41A8257}" type="datetimeFigureOut">
+              <a:rPr lang="de-DE" smtClean="0"/>
+              <a:t>03.04.2021</a:t>
             </a:fld>
-            <a:endParaRPr lang="fr-CA"/>
-          </a:p>
-        </p:txBody>
-      </p:sp>
-      <p:sp>
-        <p:nvSpPr>
-          <p:cNvPr id="5" name="Espace réservé du pied de page 4">
-            <a:extLst>
-              <a:ext uri="{FF2B5EF4-FFF2-40B4-BE49-F238E27FC236}">
-                <a16:creationId xmlns:a16="http://schemas.microsoft.com/office/drawing/2014/main" id="{8C790D86-7657-439C-B455-9F42EB50BFCA}"/>
-              </a:ext>
-            </a:extLst>
-          </p:cNvPr>
+            <a:endParaRPr lang="de-DE"/>
+          </a:p>
+        </p:txBody>
+      </p:sp>
+      <p:sp>
+        <p:nvSpPr>
+          <p:cNvPr id="5" name="Espace réservé du pied de page 4"/>
           <p:cNvSpPr>
             <a:spLocks noGrp="1"/>
           </p:cNvSpPr>
@@ -483,19 +448,13 @@
           <a:bodyPr/>
           <a:lstStyle/>
           <a:p>
-            <a:endParaRPr lang="fr-CA"/>
-          </a:p>
-        </p:txBody>
-      </p:sp>
-      <p:sp>
-        <p:nvSpPr>
-          <p:cNvPr id="6" name="Espace réservé du numéro de diapositive 5">
-            <a:extLst>
-              <a:ext uri="{FF2B5EF4-FFF2-40B4-BE49-F238E27FC236}">
-                <a16:creationId xmlns:a16="http://schemas.microsoft.com/office/drawing/2014/main" id="{86CC78A1-B538-4A39-8935-67BFAC31424C}"/>
-              </a:ext>
-            </a:extLst>
-          </p:cNvPr>
+            <a:endParaRPr lang="de-DE"/>
+          </a:p>
+        </p:txBody>
+      </p:sp>
+      <p:sp>
+        <p:nvSpPr>
+          <p:cNvPr id="6" name="Espace réservé du numéro de diapositive 5"/>
           <p:cNvSpPr>
             <a:spLocks noGrp="1"/>
           </p:cNvSpPr>
@@ -508,18 +467,18 @@
           <a:bodyPr/>
           <a:lstStyle/>
           <a:p>
-            <a:fld id="{858922AC-956A-4D3F-A2E4-3E70219A67BC}" type="slidenum">
-              <a:rPr lang="fr-CA" smtClean="0"/>
+            <a:fld id="{27C6CCC6-2BE5-4E42-96A4-D1E8E81A3D8E}" type="slidenum">
+              <a:rPr lang="de-DE" smtClean="0"/>
               <a:t>‹N°›</a:t>
             </a:fld>
-            <a:endParaRPr lang="fr-CA"/>
+            <a:endParaRPr lang="de-DE"/>
           </a:p>
         </p:txBody>
       </p:sp>
     </p:spTree>
     <p:extLst>
       <p:ext uri="{BB962C8B-B14F-4D97-AF65-F5344CB8AC3E}">
-        <p14:creationId xmlns:p14="http://schemas.microsoft.com/office/powerpoint/2010/main" val="3431096401"/>
+        <p14:creationId xmlns:p14="http://schemas.microsoft.com/office/powerpoint/2010/main" val="4172787210"/>
       </p:ext>
     </p:extLst>
   </p:cSld>
@@ -548,13 +507,7 @@
       </p:grpSpPr>
       <p:sp>
         <p:nvSpPr>
-          <p:cNvPr id="2" name="Titre vertical 1">
-            <a:extLst>
-              <a:ext uri="{FF2B5EF4-FFF2-40B4-BE49-F238E27FC236}">
-                <a16:creationId xmlns:a16="http://schemas.microsoft.com/office/drawing/2014/main" id="{9827F6F9-4B34-4E92-AC1A-73210367A250}"/>
-              </a:ext>
-            </a:extLst>
-          </p:cNvPr>
+          <p:cNvPr id="2" name="Titre vertical 1"/>
           <p:cNvSpPr>
             <a:spLocks noGrp="1"/>
           </p:cNvSpPr>
@@ -576,19 +529,13 @@
               <a:rPr lang="fr-FR"/>
               <a:t>Modifiez le style du titre</a:t>
             </a:r>
-            <a:endParaRPr lang="fr-CA"/>
-          </a:p>
-        </p:txBody>
-      </p:sp>
-      <p:sp>
-        <p:nvSpPr>
-          <p:cNvPr id="3" name="Espace réservé du texte vertical 2">
-            <a:extLst>
-              <a:ext uri="{FF2B5EF4-FFF2-40B4-BE49-F238E27FC236}">
-                <a16:creationId xmlns:a16="http://schemas.microsoft.com/office/drawing/2014/main" id="{6877A6D0-A9D1-4E11-BD7B-98947499DA2D}"/>
-              </a:ext>
-            </a:extLst>
-          </p:cNvPr>
+            <a:endParaRPr lang="de-DE"/>
+          </a:p>
+        </p:txBody>
+      </p:sp>
+      <p:sp>
+        <p:nvSpPr>
+          <p:cNvPr id="3" name="Espace réservé du texte vertical 2"/>
           <p:cNvSpPr>
             <a:spLocks noGrp="1"/>
           </p:cNvSpPr>
@@ -609,7 +556,7 @@
             <a:pPr lvl="0"/>
             <a:r>
               <a:rPr lang="fr-FR"/>
-              <a:t>Cliquez pour modifier les styles du texte du masque</a:t>
+              <a:t>Modifiez les styles du texte du masque</a:t>
             </a:r>
           </a:p>
           <a:p>
@@ -639,19 +586,13 @@
               <a:rPr lang="fr-FR"/>
               <a:t>Cinquième niveau</a:t>
             </a:r>
-            <a:endParaRPr lang="fr-CA"/>
-          </a:p>
-        </p:txBody>
-      </p:sp>
-      <p:sp>
-        <p:nvSpPr>
-          <p:cNvPr id="4" name="Espace réservé de la date 3">
-            <a:extLst>
-              <a:ext uri="{FF2B5EF4-FFF2-40B4-BE49-F238E27FC236}">
-                <a16:creationId xmlns:a16="http://schemas.microsoft.com/office/drawing/2014/main" id="{0BB8C49E-24B6-4A04-B510-512A3F89A1CA}"/>
-              </a:ext>
-            </a:extLst>
-          </p:cNvPr>
+            <a:endParaRPr lang="de-DE"/>
+          </a:p>
+        </p:txBody>
+      </p:sp>
+      <p:sp>
+        <p:nvSpPr>
+          <p:cNvPr id="4" name="Espace réservé de la date 3"/>
           <p:cNvSpPr>
             <a:spLocks noGrp="1"/>
           </p:cNvSpPr>
@@ -664,23 +605,17 @@
           <a:bodyPr/>
           <a:lstStyle/>
           <a:p>
-            <a:fld id="{07072D54-3391-4270-A1E8-1F419DBB4D99}" type="datetimeFigureOut">
-              <a:rPr lang="fr-CA" smtClean="0"/>
-              <a:t>2021-03-19</a:t>
+            <a:fld id="{638941B0-F4D5-4460-BCAD-F7E2B41A8257}" type="datetimeFigureOut">
+              <a:rPr lang="de-DE" smtClean="0"/>
+              <a:t>03.04.2021</a:t>
             </a:fld>
-            <a:endParaRPr lang="fr-CA"/>
-          </a:p>
-        </p:txBody>
-      </p:sp>
-      <p:sp>
-        <p:nvSpPr>
-          <p:cNvPr id="5" name="Espace réservé du pied de page 4">
-            <a:extLst>
-              <a:ext uri="{FF2B5EF4-FFF2-40B4-BE49-F238E27FC236}">
-                <a16:creationId xmlns:a16="http://schemas.microsoft.com/office/drawing/2014/main" id="{F1BF5EC2-7D8D-49D0-81B3-20FCA3BBF8FB}"/>
-              </a:ext>
-            </a:extLst>
-          </p:cNvPr>
+            <a:endParaRPr lang="de-DE"/>
+          </a:p>
+        </p:txBody>
+      </p:sp>
+      <p:sp>
+        <p:nvSpPr>
+          <p:cNvPr id="5" name="Espace réservé du pied de page 4"/>
           <p:cNvSpPr>
             <a:spLocks noGrp="1"/>
           </p:cNvSpPr>
@@ -693,19 +628,13 @@
           <a:bodyPr/>
           <a:lstStyle/>
           <a:p>
-            <a:endParaRPr lang="fr-CA"/>
-          </a:p>
-        </p:txBody>
-      </p:sp>
-      <p:sp>
-        <p:nvSpPr>
-          <p:cNvPr id="6" name="Espace réservé du numéro de diapositive 5">
-            <a:extLst>
-              <a:ext uri="{FF2B5EF4-FFF2-40B4-BE49-F238E27FC236}">
-                <a16:creationId xmlns:a16="http://schemas.microsoft.com/office/drawing/2014/main" id="{D0414560-24E5-46FA-85F2-2EEAE53E495C}"/>
-              </a:ext>
-            </a:extLst>
-          </p:cNvPr>
+            <a:endParaRPr lang="de-DE"/>
+          </a:p>
+        </p:txBody>
+      </p:sp>
+      <p:sp>
+        <p:nvSpPr>
+          <p:cNvPr id="6" name="Espace réservé du numéro de diapositive 5"/>
           <p:cNvSpPr>
             <a:spLocks noGrp="1"/>
           </p:cNvSpPr>
@@ -718,18 +647,18 @@
           <a:bodyPr/>
           <a:lstStyle/>
           <a:p>
-            <a:fld id="{858922AC-956A-4D3F-A2E4-3E70219A67BC}" type="slidenum">
-              <a:rPr lang="fr-CA" smtClean="0"/>
+            <a:fld id="{27C6CCC6-2BE5-4E42-96A4-D1E8E81A3D8E}" type="slidenum">
+              <a:rPr lang="de-DE" smtClean="0"/>
               <a:t>‹N°›</a:t>
             </a:fld>
-            <a:endParaRPr lang="fr-CA"/>
+            <a:endParaRPr lang="de-DE"/>
           </a:p>
         </p:txBody>
       </p:sp>
     </p:spTree>
     <p:extLst>
       <p:ext uri="{BB962C8B-B14F-4D97-AF65-F5344CB8AC3E}">
-        <p14:creationId xmlns:p14="http://schemas.microsoft.com/office/powerpoint/2010/main" val="2377499942"/>
+        <p14:creationId xmlns:p14="http://schemas.microsoft.com/office/powerpoint/2010/main" val="1902177510"/>
       </p:ext>
     </p:extLst>
   </p:cSld>
@@ -758,13 +687,7 @@
       </p:grpSpPr>
       <p:sp>
         <p:nvSpPr>
-          <p:cNvPr id="2" name="Titre 1">
-            <a:extLst>
-              <a:ext uri="{FF2B5EF4-FFF2-40B4-BE49-F238E27FC236}">
-                <a16:creationId xmlns:a16="http://schemas.microsoft.com/office/drawing/2014/main" id="{8B71BDD2-5C1F-4CF5-AA96-70F17D3410CB}"/>
-              </a:ext>
-            </a:extLst>
-          </p:cNvPr>
+          <p:cNvPr id="2" name="Titre 1"/>
           <p:cNvSpPr>
             <a:spLocks noGrp="1"/>
           </p:cNvSpPr>
@@ -781,19 +704,13 @@
               <a:rPr lang="fr-FR"/>
               <a:t>Modifiez le style du titre</a:t>
             </a:r>
-            <a:endParaRPr lang="fr-CA"/>
-          </a:p>
-        </p:txBody>
-      </p:sp>
-      <p:sp>
-        <p:nvSpPr>
-          <p:cNvPr id="3" name="Espace réservé du contenu 2">
-            <a:extLst>
-              <a:ext uri="{FF2B5EF4-FFF2-40B4-BE49-F238E27FC236}">
-                <a16:creationId xmlns:a16="http://schemas.microsoft.com/office/drawing/2014/main" id="{A0033582-4516-4113-9E40-4215A77E7145}"/>
-              </a:ext>
-            </a:extLst>
-          </p:cNvPr>
+            <a:endParaRPr lang="de-DE"/>
+          </a:p>
+        </p:txBody>
+      </p:sp>
+      <p:sp>
+        <p:nvSpPr>
+          <p:cNvPr id="3" name="Espace réservé du contenu 2"/>
           <p:cNvSpPr>
             <a:spLocks noGrp="1"/>
           </p:cNvSpPr>
@@ -809,7 +726,7 @@
             <a:pPr lvl="0"/>
             <a:r>
               <a:rPr lang="fr-FR"/>
-              <a:t>Cliquez pour modifier les styles du texte du masque</a:t>
+              <a:t>Modifiez les styles du texte du masque</a:t>
             </a:r>
           </a:p>
           <a:p>
@@ -839,19 +756,13 @@
               <a:rPr lang="fr-FR"/>
               <a:t>Cinquième niveau</a:t>
             </a:r>
-            <a:endParaRPr lang="fr-CA"/>
-          </a:p>
-        </p:txBody>
-      </p:sp>
-      <p:sp>
-        <p:nvSpPr>
-          <p:cNvPr id="4" name="Espace réservé de la date 3">
-            <a:extLst>
-              <a:ext uri="{FF2B5EF4-FFF2-40B4-BE49-F238E27FC236}">
-                <a16:creationId xmlns:a16="http://schemas.microsoft.com/office/drawing/2014/main" id="{0D530680-2A63-45B2-AA5A-FDE532464A3F}"/>
-              </a:ext>
-            </a:extLst>
-          </p:cNvPr>
+            <a:endParaRPr lang="de-DE"/>
+          </a:p>
+        </p:txBody>
+      </p:sp>
+      <p:sp>
+        <p:nvSpPr>
+          <p:cNvPr id="4" name="Espace réservé de la date 3"/>
           <p:cNvSpPr>
             <a:spLocks noGrp="1"/>
           </p:cNvSpPr>
@@ -864,23 +775,17 @@
           <a:bodyPr/>
           <a:lstStyle/>
           <a:p>
-            <a:fld id="{07072D54-3391-4270-A1E8-1F419DBB4D99}" type="datetimeFigureOut">
-              <a:rPr lang="fr-CA" smtClean="0"/>
-              <a:t>2021-03-19</a:t>
+            <a:fld id="{638941B0-F4D5-4460-BCAD-F7E2B41A8257}" type="datetimeFigureOut">
+              <a:rPr lang="de-DE" smtClean="0"/>
+              <a:t>03.04.2021</a:t>
             </a:fld>
-            <a:endParaRPr lang="fr-CA"/>
-          </a:p>
-        </p:txBody>
-      </p:sp>
-      <p:sp>
-        <p:nvSpPr>
-          <p:cNvPr id="5" name="Espace réservé du pied de page 4">
-            <a:extLst>
-              <a:ext uri="{FF2B5EF4-FFF2-40B4-BE49-F238E27FC236}">
-                <a16:creationId xmlns:a16="http://schemas.microsoft.com/office/drawing/2014/main" id="{6086C987-6292-4100-8BC9-D8AF9462677E}"/>
-              </a:ext>
-            </a:extLst>
-          </p:cNvPr>
+            <a:endParaRPr lang="de-DE"/>
+          </a:p>
+        </p:txBody>
+      </p:sp>
+      <p:sp>
+        <p:nvSpPr>
+          <p:cNvPr id="5" name="Espace réservé du pied de page 4"/>
           <p:cNvSpPr>
             <a:spLocks noGrp="1"/>
           </p:cNvSpPr>
@@ -893,19 +798,13 @@
           <a:bodyPr/>
           <a:lstStyle/>
           <a:p>
-            <a:endParaRPr lang="fr-CA"/>
-          </a:p>
-        </p:txBody>
-      </p:sp>
-      <p:sp>
-        <p:nvSpPr>
-          <p:cNvPr id="6" name="Espace réservé du numéro de diapositive 5">
-            <a:extLst>
-              <a:ext uri="{FF2B5EF4-FFF2-40B4-BE49-F238E27FC236}">
-                <a16:creationId xmlns:a16="http://schemas.microsoft.com/office/drawing/2014/main" id="{3F33F737-9367-4386-836D-73D9B591468A}"/>
-              </a:ext>
-            </a:extLst>
-          </p:cNvPr>
+            <a:endParaRPr lang="de-DE"/>
+          </a:p>
+        </p:txBody>
+      </p:sp>
+      <p:sp>
+        <p:nvSpPr>
+          <p:cNvPr id="6" name="Espace réservé du numéro de diapositive 5"/>
           <p:cNvSpPr>
             <a:spLocks noGrp="1"/>
           </p:cNvSpPr>
@@ -918,18 +817,18 @@
           <a:bodyPr/>
           <a:lstStyle/>
           <a:p>
-            <a:fld id="{858922AC-956A-4D3F-A2E4-3E70219A67BC}" type="slidenum">
-              <a:rPr lang="fr-CA" smtClean="0"/>
+            <a:fld id="{27C6CCC6-2BE5-4E42-96A4-D1E8E81A3D8E}" type="slidenum">
+              <a:rPr lang="de-DE" smtClean="0"/>
               <a:t>‹N°›</a:t>
             </a:fld>
-            <a:endParaRPr lang="fr-CA"/>
+            <a:endParaRPr lang="de-DE"/>
           </a:p>
         </p:txBody>
       </p:sp>
     </p:spTree>
     <p:extLst>
       <p:ext uri="{BB962C8B-B14F-4D97-AF65-F5344CB8AC3E}">
-        <p14:creationId xmlns:p14="http://schemas.microsoft.com/office/powerpoint/2010/main" val="3042165367"/>
+        <p14:creationId xmlns:p14="http://schemas.microsoft.com/office/powerpoint/2010/main" val="3841795644"/>
       </p:ext>
     </p:extLst>
   </p:cSld>
@@ -958,13 +857,7 @@
       </p:grpSpPr>
       <p:sp>
         <p:nvSpPr>
-          <p:cNvPr id="2" name="Titre 1">
-            <a:extLst>
-              <a:ext uri="{FF2B5EF4-FFF2-40B4-BE49-F238E27FC236}">
-                <a16:creationId xmlns:a16="http://schemas.microsoft.com/office/drawing/2014/main" id="{CECEAFEE-2A47-44D9-A4CC-6AE62D01EC31}"/>
-              </a:ext>
-            </a:extLst>
-          </p:cNvPr>
+          <p:cNvPr id="2" name="Titre 1"/>
           <p:cNvSpPr>
             <a:spLocks noGrp="1"/>
           </p:cNvSpPr>
@@ -990,19 +883,13 @@
               <a:rPr lang="fr-FR"/>
               <a:t>Modifiez le style du titre</a:t>
             </a:r>
-            <a:endParaRPr lang="fr-CA"/>
-          </a:p>
-        </p:txBody>
-      </p:sp>
-      <p:sp>
-        <p:nvSpPr>
-          <p:cNvPr id="3" name="Espace réservé du texte 2">
-            <a:extLst>
-              <a:ext uri="{FF2B5EF4-FFF2-40B4-BE49-F238E27FC236}">
-                <a16:creationId xmlns:a16="http://schemas.microsoft.com/office/drawing/2014/main" id="{1EDEAEE0-F962-446C-A233-E82670D5DF49}"/>
-              </a:ext>
-            </a:extLst>
-          </p:cNvPr>
+            <a:endParaRPr lang="de-DE"/>
+          </a:p>
+        </p:txBody>
+      </p:sp>
+      <p:sp>
+        <p:nvSpPr>
+          <p:cNvPr id="3" name="Espace réservé du texte 2"/>
           <p:cNvSpPr>
             <a:spLocks noGrp="1"/>
           </p:cNvSpPr>
@@ -1114,20 +1001,14 @@
             <a:pPr lvl="0"/>
             <a:r>
               <a:rPr lang="fr-FR"/>
-              <a:t>Cliquez pour modifier les styles du texte du masque</a:t>
-            </a:r>
-          </a:p>
-        </p:txBody>
-      </p:sp>
-      <p:sp>
-        <p:nvSpPr>
-          <p:cNvPr id="4" name="Espace réservé de la date 3">
-            <a:extLst>
-              <a:ext uri="{FF2B5EF4-FFF2-40B4-BE49-F238E27FC236}">
-                <a16:creationId xmlns:a16="http://schemas.microsoft.com/office/drawing/2014/main" id="{BD87CF64-01AE-4CDC-AB5B-1EF96888EDD4}"/>
-              </a:ext>
-            </a:extLst>
-          </p:cNvPr>
+              <a:t>Modifiez les styles du texte du masque</a:t>
+            </a:r>
+          </a:p>
+        </p:txBody>
+      </p:sp>
+      <p:sp>
+        <p:nvSpPr>
+          <p:cNvPr id="4" name="Espace réservé de la date 3"/>
           <p:cNvSpPr>
             <a:spLocks noGrp="1"/>
           </p:cNvSpPr>
@@ -1140,23 +1021,17 @@
           <a:bodyPr/>
           <a:lstStyle/>
           <a:p>
-            <a:fld id="{07072D54-3391-4270-A1E8-1F419DBB4D99}" type="datetimeFigureOut">
-              <a:rPr lang="fr-CA" smtClean="0"/>
-              <a:t>2021-03-19</a:t>
+            <a:fld id="{638941B0-F4D5-4460-BCAD-F7E2B41A8257}" type="datetimeFigureOut">
+              <a:rPr lang="de-DE" smtClean="0"/>
+              <a:t>03.04.2021</a:t>
             </a:fld>
-            <a:endParaRPr lang="fr-CA"/>
-          </a:p>
-        </p:txBody>
-      </p:sp>
-      <p:sp>
-        <p:nvSpPr>
-          <p:cNvPr id="5" name="Espace réservé du pied de page 4">
-            <a:extLst>
-              <a:ext uri="{FF2B5EF4-FFF2-40B4-BE49-F238E27FC236}">
-                <a16:creationId xmlns:a16="http://schemas.microsoft.com/office/drawing/2014/main" id="{8F66C924-15B3-4957-8769-3A24705E640B}"/>
-              </a:ext>
-            </a:extLst>
-          </p:cNvPr>
+            <a:endParaRPr lang="de-DE"/>
+          </a:p>
+        </p:txBody>
+      </p:sp>
+      <p:sp>
+        <p:nvSpPr>
+          <p:cNvPr id="5" name="Espace réservé du pied de page 4"/>
           <p:cNvSpPr>
             <a:spLocks noGrp="1"/>
           </p:cNvSpPr>
@@ -1169,19 +1044,13 @@
           <a:bodyPr/>
           <a:lstStyle/>
           <a:p>
-            <a:endParaRPr lang="fr-CA"/>
-          </a:p>
-        </p:txBody>
-      </p:sp>
-      <p:sp>
-        <p:nvSpPr>
-          <p:cNvPr id="6" name="Espace réservé du numéro de diapositive 5">
-            <a:extLst>
-              <a:ext uri="{FF2B5EF4-FFF2-40B4-BE49-F238E27FC236}">
-                <a16:creationId xmlns:a16="http://schemas.microsoft.com/office/drawing/2014/main" id="{3BB49865-9B06-4CD4-895F-36A3F050AF30}"/>
-              </a:ext>
-            </a:extLst>
-          </p:cNvPr>
+            <a:endParaRPr lang="de-DE"/>
+          </a:p>
+        </p:txBody>
+      </p:sp>
+      <p:sp>
+        <p:nvSpPr>
+          <p:cNvPr id="6" name="Espace réservé du numéro de diapositive 5"/>
           <p:cNvSpPr>
             <a:spLocks noGrp="1"/>
           </p:cNvSpPr>
@@ -1194,18 +1063,18 @@
           <a:bodyPr/>
           <a:lstStyle/>
           <a:p>
-            <a:fld id="{858922AC-956A-4D3F-A2E4-3E70219A67BC}" type="slidenum">
-              <a:rPr lang="fr-CA" smtClean="0"/>
+            <a:fld id="{27C6CCC6-2BE5-4E42-96A4-D1E8E81A3D8E}" type="slidenum">
+              <a:rPr lang="de-DE" smtClean="0"/>
               <a:t>‹N°›</a:t>
             </a:fld>
-            <a:endParaRPr lang="fr-CA"/>
+            <a:endParaRPr lang="de-DE"/>
           </a:p>
         </p:txBody>
       </p:sp>
     </p:spTree>
     <p:extLst>
       <p:ext uri="{BB962C8B-B14F-4D97-AF65-F5344CB8AC3E}">
-        <p14:creationId xmlns:p14="http://schemas.microsoft.com/office/powerpoint/2010/main" val="889438119"/>
+        <p14:creationId xmlns:p14="http://schemas.microsoft.com/office/powerpoint/2010/main" val="3466923455"/>
       </p:ext>
     </p:extLst>
   </p:cSld>
@@ -1234,13 +1103,7 @@
       </p:grpSpPr>
       <p:sp>
         <p:nvSpPr>
-          <p:cNvPr id="2" name="Titre 1">
-            <a:extLst>
-              <a:ext uri="{FF2B5EF4-FFF2-40B4-BE49-F238E27FC236}">
-                <a16:creationId xmlns:a16="http://schemas.microsoft.com/office/drawing/2014/main" id="{7EB7AB9F-2730-4BD1-B112-66DC0274BF17}"/>
-              </a:ext>
-            </a:extLst>
-          </p:cNvPr>
+          <p:cNvPr id="2" name="Titre 1"/>
           <p:cNvSpPr>
             <a:spLocks noGrp="1"/>
           </p:cNvSpPr>
@@ -1257,19 +1120,13 @@
               <a:rPr lang="fr-FR"/>
               <a:t>Modifiez le style du titre</a:t>
             </a:r>
-            <a:endParaRPr lang="fr-CA"/>
-          </a:p>
-        </p:txBody>
-      </p:sp>
-      <p:sp>
-        <p:nvSpPr>
-          <p:cNvPr id="3" name="Espace réservé du contenu 2">
-            <a:extLst>
-              <a:ext uri="{FF2B5EF4-FFF2-40B4-BE49-F238E27FC236}">
-                <a16:creationId xmlns:a16="http://schemas.microsoft.com/office/drawing/2014/main" id="{AF219E05-8A17-4672-BD63-A19A6865C02A}"/>
-              </a:ext>
-            </a:extLst>
-          </p:cNvPr>
+            <a:endParaRPr lang="de-DE"/>
+          </a:p>
+        </p:txBody>
+      </p:sp>
+      <p:sp>
+        <p:nvSpPr>
+          <p:cNvPr id="3" name="Espace réservé du contenu 2"/>
           <p:cNvSpPr>
             <a:spLocks noGrp="1"/>
           </p:cNvSpPr>
@@ -1290,7 +1147,7 @@
             <a:pPr lvl="0"/>
             <a:r>
               <a:rPr lang="fr-FR"/>
-              <a:t>Cliquez pour modifier les styles du texte du masque</a:t>
+              <a:t>Modifiez les styles du texte du masque</a:t>
             </a:r>
           </a:p>
           <a:p>
@@ -1320,19 +1177,13 @@
               <a:rPr lang="fr-FR"/>
               <a:t>Cinquième niveau</a:t>
             </a:r>
-            <a:endParaRPr lang="fr-CA"/>
-          </a:p>
-        </p:txBody>
-      </p:sp>
-      <p:sp>
-        <p:nvSpPr>
-          <p:cNvPr id="4" name="Espace réservé du contenu 3">
-            <a:extLst>
-              <a:ext uri="{FF2B5EF4-FFF2-40B4-BE49-F238E27FC236}">
-                <a16:creationId xmlns:a16="http://schemas.microsoft.com/office/drawing/2014/main" id="{CB074835-D960-4B78-B23F-37C4CC96BC36}"/>
-              </a:ext>
-            </a:extLst>
-          </p:cNvPr>
+            <a:endParaRPr lang="de-DE"/>
+          </a:p>
+        </p:txBody>
+      </p:sp>
+      <p:sp>
+        <p:nvSpPr>
+          <p:cNvPr id="4" name="Espace réservé du contenu 3"/>
           <p:cNvSpPr>
             <a:spLocks noGrp="1"/>
           </p:cNvSpPr>
@@ -1353,7 +1204,7 @@
             <a:pPr lvl="0"/>
             <a:r>
               <a:rPr lang="fr-FR"/>
-              <a:t>Cliquez pour modifier les styles du texte du masque</a:t>
+              <a:t>Modifiez les styles du texte du masque</a:t>
             </a:r>
           </a:p>
           <a:p>
@@ -1383,19 +1234,13 @@
               <a:rPr lang="fr-FR"/>
               <a:t>Cinquième niveau</a:t>
             </a:r>
-            <a:endParaRPr lang="fr-CA"/>
-          </a:p>
-        </p:txBody>
-      </p:sp>
-      <p:sp>
-        <p:nvSpPr>
-          <p:cNvPr id="5" name="Espace réservé de la date 4">
-            <a:extLst>
-              <a:ext uri="{FF2B5EF4-FFF2-40B4-BE49-F238E27FC236}">
-                <a16:creationId xmlns:a16="http://schemas.microsoft.com/office/drawing/2014/main" id="{66A42B8D-A457-49D6-B629-17F8A4DD12D6}"/>
-              </a:ext>
-            </a:extLst>
-          </p:cNvPr>
+            <a:endParaRPr lang="de-DE"/>
+          </a:p>
+        </p:txBody>
+      </p:sp>
+      <p:sp>
+        <p:nvSpPr>
+          <p:cNvPr id="5" name="Espace réservé de la date 4"/>
           <p:cNvSpPr>
             <a:spLocks noGrp="1"/>
           </p:cNvSpPr>
@@ -1408,23 +1253,17 @@
           <a:bodyPr/>
           <a:lstStyle/>
           <a:p>
-            <a:fld id="{07072D54-3391-4270-A1E8-1F419DBB4D99}" type="datetimeFigureOut">
-              <a:rPr lang="fr-CA" smtClean="0"/>
-              <a:t>2021-03-19</a:t>
+            <a:fld id="{638941B0-F4D5-4460-BCAD-F7E2B41A8257}" type="datetimeFigureOut">
+              <a:rPr lang="de-DE" smtClean="0"/>
+              <a:t>03.04.2021</a:t>
             </a:fld>
-            <a:endParaRPr lang="fr-CA"/>
-          </a:p>
-        </p:txBody>
-      </p:sp>
-      <p:sp>
-        <p:nvSpPr>
-          <p:cNvPr id="6" name="Espace réservé du pied de page 5">
-            <a:extLst>
-              <a:ext uri="{FF2B5EF4-FFF2-40B4-BE49-F238E27FC236}">
-                <a16:creationId xmlns:a16="http://schemas.microsoft.com/office/drawing/2014/main" id="{97658882-4C34-4BBF-9652-7B9ADC78BD9E}"/>
-              </a:ext>
-            </a:extLst>
-          </p:cNvPr>
+            <a:endParaRPr lang="de-DE"/>
+          </a:p>
+        </p:txBody>
+      </p:sp>
+      <p:sp>
+        <p:nvSpPr>
+          <p:cNvPr id="6" name="Espace réservé du pied de page 5"/>
           <p:cNvSpPr>
             <a:spLocks noGrp="1"/>
           </p:cNvSpPr>
@@ -1437,19 +1276,13 @@
           <a:bodyPr/>
           <a:lstStyle/>
           <a:p>
-            <a:endParaRPr lang="fr-CA"/>
-          </a:p>
-        </p:txBody>
-      </p:sp>
-      <p:sp>
-        <p:nvSpPr>
-          <p:cNvPr id="7" name="Espace réservé du numéro de diapositive 6">
-            <a:extLst>
-              <a:ext uri="{FF2B5EF4-FFF2-40B4-BE49-F238E27FC236}">
-                <a16:creationId xmlns:a16="http://schemas.microsoft.com/office/drawing/2014/main" id="{75900AB9-8E14-4499-AB4F-175F299240C5}"/>
-              </a:ext>
-            </a:extLst>
-          </p:cNvPr>
+            <a:endParaRPr lang="de-DE"/>
+          </a:p>
+        </p:txBody>
+      </p:sp>
+      <p:sp>
+        <p:nvSpPr>
+          <p:cNvPr id="7" name="Espace réservé du numéro de diapositive 6"/>
           <p:cNvSpPr>
             <a:spLocks noGrp="1"/>
           </p:cNvSpPr>
@@ -1462,18 +1295,18 @@
           <a:bodyPr/>
           <a:lstStyle/>
           <a:p>
-            <a:fld id="{858922AC-956A-4D3F-A2E4-3E70219A67BC}" type="slidenum">
-              <a:rPr lang="fr-CA" smtClean="0"/>
+            <a:fld id="{27C6CCC6-2BE5-4E42-96A4-D1E8E81A3D8E}" type="slidenum">
+              <a:rPr lang="de-DE" smtClean="0"/>
               <a:t>‹N°›</a:t>
             </a:fld>
-            <a:endParaRPr lang="fr-CA"/>
+            <a:endParaRPr lang="de-DE"/>
           </a:p>
         </p:txBody>
       </p:sp>
     </p:spTree>
     <p:extLst>
       <p:ext uri="{BB962C8B-B14F-4D97-AF65-F5344CB8AC3E}">
-        <p14:creationId xmlns:p14="http://schemas.microsoft.com/office/powerpoint/2010/main" val="3525844445"/>
+        <p14:creationId xmlns:p14="http://schemas.microsoft.com/office/powerpoint/2010/main" val="3747632232"/>
       </p:ext>
     </p:extLst>
   </p:cSld>
@@ -1502,13 +1335,7 @@
       </p:grpSpPr>
       <p:sp>
         <p:nvSpPr>
-          <p:cNvPr id="2" name="Titre 1">
-            <a:extLst>
-              <a:ext uri="{FF2B5EF4-FFF2-40B4-BE49-F238E27FC236}">
-                <a16:creationId xmlns:a16="http://schemas.microsoft.com/office/drawing/2014/main" id="{35EC627F-515E-4699-9A6C-F32C706DC4EA}"/>
-              </a:ext>
-            </a:extLst>
-          </p:cNvPr>
+          <p:cNvPr id="2" name="Titre 1"/>
           <p:cNvSpPr>
             <a:spLocks noGrp="1"/>
           </p:cNvSpPr>
@@ -1530,19 +1357,13 @@
               <a:rPr lang="fr-FR"/>
               <a:t>Modifiez le style du titre</a:t>
             </a:r>
-            <a:endParaRPr lang="fr-CA"/>
-          </a:p>
-        </p:txBody>
-      </p:sp>
-      <p:sp>
-        <p:nvSpPr>
-          <p:cNvPr id="3" name="Espace réservé du texte 2">
-            <a:extLst>
-              <a:ext uri="{FF2B5EF4-FFF2-40B4-BE49-F238E27FC236}">
-                <a16:creationId xmlns:a16="http://schemas.microsoft.com/office/drawing/2014/main" id="{B6F6361C-648B-42AA-90DE-397F401ED612}"/>
-              </a:ext>
-            </a:extLst>
-          </p:cNvPr>
+            <a:endParaRPr lang="de-DE"/>
+          </a:p>
+        </p:txBody>
+      </p:sp>
+      <p:sp>
+        <p:nvSpPr>
+          <p:cNvPr id="3" name="Espace réservé du texte 2"/>
           <p:cNvSpPr>
             <a:spLocks noGrp="1"/>
           </p:cNvSpPr>
@@ -1600,20 +1421,14 @@
             <a:pPr lvl="0"/>
             <a:r>
               <a:rPr lang="fr-FR"/>
-              <a:t>Cliquez pour modifier les styles du texte du masque</a:t>
-            </a:r>
-          </a:p>
-        </p:txBody>
-      </p:sp>
-      <p:sp>
-        <p:nvSpPr>
-          <p:cNvPr id="4" name="Espace réservé du contenu 3">
-            <a:extLst>
-              <a:ext uri="{FF2B5EF4-FFF2-40B4-BE49-F238E27FC236}">
-                <a16:creationId xmlns:a16="http://schemas.microsoft.com/office/drawing/2014/main" id="{BCFAFC35-AB9A-4F8A-B9EF-46FE1B43EEFE}"/>
-              </a:ext>
-            </a:extLst>
-          </p:cNvPr>
+              <a:t>Modifiez les styles du texte du masque</a:t>
+            </a:r>
+          </a:p>
+        </p:txBody>
+      </p:sp>
+      <p:sp>
+        <p:nvSpPr>
+          <p:cNvPr id="4" name="Espace réservé du contenu 3"/>
           <p:cNvSpPr>
             <a:spLocks noGrp="1"/>
           </p:cNvSpPr>
@@ -1634,7 +1449,7 @@
             <a:pPr lvl="0"/>
             <a:r>
               <a:rPr lang="fr-FR"/>
-              <a:t>Cliquez pour modifier les styles du texte du masque</a:t>
+              <a:t>Modifiez les styles du texte du masque</a:t>
             </a:r>
           </a:p>
           <a:p>
@@ -1664,19 +1479,13 @@
               <a:rPr lang="fr-FR"/>
               <a:t>Cinquième niveau</a:t>
             </a:r>
-            <a:endParaRPr lang="fr-CA"/>
-          </a:p>
-        </p:txBody>
-      </p:sp>
-      <p:sp>
-        <p:nvSpPr>
-          <p:cNvPr id="5" name="Espace réservé du texte 4">
-            <a:extLst>
-              <a:ext uri="{FF2B5EF4-FFF2-40B4-BE49-F238E27FC236}">
-                <a16:creationId xmlns:a16="http://schemas.microsoft.com/office/drawing/2014/main" id="{42A955E1-B066-48D3-AE23-19E8D26A7F0D}"/>
-              </a:ext>
-            </a:extLst>
-          </p:cNvPr>
+            <a:endParaRPr lang="de-DE"/>
+          </a:p>
+        </p:txBody>
+      </p:sp>
+      <p:sp>
+        <p:nvSpPr>
+          <p:cNvPr id="5" name="Espace réservé du texte 4"/>
           <p:cNvSpPr>
             <a:spLocks noGrp="1"/>
           </p:cNvSpPr>
@@ -1734,20 +1543,14 @@
             <a:pPr lvl="0"/>
             <a:r>
               <a:rPr lang="fr-FR"/>
-              <a:t>Cliquez pour modifier les styles du texte du masque</a:t>
-            </a:r>
-          </a:p>
-        </p:txBody>
-      </p:sp>
-      <p:sp>
-        <p:nvSpPr>
-          <p:cNvPr id="6" name="Espace réservé du contenu 5">
-            <a:extLst>
-              <a:ext uri="{FF2B5EF4-FFF2-40B4-BE49-F238E27FC236}">
-                <a16:creationId xmlns:a16="http://schemas.microsoft.com/office/drawing/2014/main" id="{7C185898-3036-4BC9-9A64-BCE6254AB99B}"/>
-              </a:ext>
-            </a:extLst>
-          </p:cNvPr>
+              <a:t>Modifiez les styles du texte du masque</a:t>
+            </a:r>
+          </a:p>
+        </p:txBody>
+      </p:sp>
+      <p:sp>
+        <p:nvSpPr>
+          <p:cNvPr id="6" name="Espace réservé du contenu 5"/>
           <p:cNvSpPr>
             <a:spLocks noGrp="1"/>
           </p:cNvSpPr>
@@ -1768,7 +1571,7 @@
             <a:pPr lvl="0"/>
             <a:r>
               <a:rPr lang="fr-FR"/>
-              <a:t>Cliquez pour modifier les styles du texte du masque</a:t>
+              <a:t>Modifiez les styles du texte du masque</a:t>
             </a:r>
           </a:p>
           <a:p>
@@ -1798,19 +1601,13 @@
               <a:rPr lang="fr-FR"/>
               <a:t>Cinquième niveau</a:t>
             </a:r>
-            <a:endParaRPr lang="fr-CA"/>
-          </a:p>
-        </p:txBody>
-      </p:sp>
-      <p:sp>
-        <p:nvSpPr>
-          <p:cNvPr id="7" name="Espace réservé de la date 6">
-            <a:extLst>
-              <a:ext uri="{FF2B5EF4-FFF2-40B4-BE49-F238E27FC236}">
-                <a16:creationId xmlns:a16="http://schemas.microsoft.com/office/drawing/2014/main" id="{8E085A76-C87B-4467-8883-AFEDADEF4B88}"/>
-              </a:ext>
-            </a:extLst>
-          </p:cNvPr>
+            <a:endParaRPr lang="de-DE"/>
+          </a:p>
+        </p:txBody>
+      </p:sp>
+      <p:sp>
+        <p:nvSpPr>
+          <p:cNvPr id="7" name="Espace réservé de la date 6"/>
           <p:cNvSpPr>
             <a:spLocks noGrp="1"/>
           </p:cNvSpPr>
@@ -1823,23 +1620,17 @@
           <a:bodyPr/>
           <a:lstStyle/>
           <a:p>
-            <a:fld id="{07072D54-3391-4270-A1E8-1F419DBB4D99}" type="datetimeFigureOut">
-              <a:rPr lang="fr-CA" smtClean="0"/>
-              <a:t>2021-03-19</a:t>
+            <a:fld id="{638941B0-F4D5-4460-BCAD-F7E2B41A8257}" type="datetimeFigureOut">
+              <a:rPr lang="de-DE" smtClean="0"/>
+              <a:t>03.04.2021</a:t>
             </a:fld>
-            <a:endParaRPr lang="fr-CA"/>
-          </a:p>
-        </p:txBody>
-      </p:sp>
-      <p:sp>
-        <p:nvSpPr>
-          <p:cNvPr id="8" name="Espace réservé du pied de page 7">
-            <a:extLst>
-              <a:ext uri="{FF2B5EF4-FFF2-40B4-BE49-F238E27FC236}">
-                <a16:creationId xmlns:a16="http://schemas.microsoft.com/office/drawing/2014/main" id="{C6A58C96-DE5F-47D2-ACE8-6976958A0B11}"/>
-              </a:ext>
-            </a:extLst>
-          </p:cNvPr>
+            <a:endParaRPr lang="de-DE"/>
+          </a:p>
+        </p:txBody>
+      </p:sp>
+      <p:sp>
+        <p:nvSpPr>
+          <p:cNvPr id="8" name="Espace réservé du pied de page 7"/>
           <p:cNvSpPr>
             <a:spLocks noGrp="1"/>
           </p:cNvSpPr>
@@ -1852,19 +1643,13 @@
           <a:bodyPr/>
           <a:lstStyle/>
           <a:p>
-            <a:endParaRPr lang="fr-CA"/>
-          </a:p>
-        </p:txBody>
-      </p:sp>
-      <p:sp>
-        <p:nvSpPr>
-          <p:cNvPr id="9" name="Espace réservé du numéro de diapositive 8">
-            <a:extLst>
-              <a:ext uri="{FF2B5EF4-FFF2-40B4-BE49-F238E27FC236}">
-                <a16:creationId xmlns:a16="http://schemas.microsoft.com/office/drawing/2014/main" id="{94F2D1BA-6100-47F0-A2F6-A01E922B511D}"/>
-              </a:ext>
-            </a:extLst>
-          </p:cNvPr>
+            <a:endParaRPr lang="de-DE"/>
+          </a:p>
+        </p:txBody>
+      </p:sp>
+      <p:sp>
+        <p:nvSpPr>
+          <p:cNvPr id="9" name="Espace réservé du numéro de diapositive 8"/>
           <p:cNvSpPr>
             <a:spLocks noGrp="1"/>
           </p:cNvSpPr>
@@ -1877,18 +1662,18 @@
           <a:bodyPr/>
           <a:lstStyle/>
           <a:p>
-            <a:fld id="{858922AC-956A-4D3F-A2E4-3E70219A67BC}" type="slidenum">
-              <a:rPr lang="fr-CA" smtClean="0"/>
+            <a:fld id="{27C6CCC6-2BE5-4E42-96A4-D1E8E81A3D8E}" type="slidenum">
+              <a:rPr lang="de-DE" smtClean="0"/>
               <a:t>‹N°›</a:t>
             </a:fld>
-            <a:endParaRPr lang="fr-CA"/>
+            <a:endParaRPr lang="de-DE"/>
           </a:p>
         </p:txBody>
       </p:sp>
     </p:spTree>
     <p:extLst>
       <p:ext uri="{BB962C8B-B14F-4D97-AF65-F5344CB8AC3E}">
-        <p14:creationId xmlns:p14="http://schemas.microsoft.com/office/powerpoint/2010/main" val="1127433880"/>
+        <p14:creationId xmlns:p14="http://schemas.microsoft.com/office/powerpoint/2010/main" val="2611866596"/>
       </p:ext>
     </p:extLst>
   </p:cSld>
@@ -1917,13 +1702,7 @@
       </p:grpSpPr>
       <p:sp>
         <p:nvSpPr>
-          <p:cNvPr id="2" name="Titre 1">
-            <a:extLst>
-              <a:ext uri="{FF2B5EF4-FFF2-40B4-BE49-F238E27FC236}">
-                <a16:creationId xmlns:a16="http://schemas.microsoft.com/office/drawing/2014/main" id="{4BB291DF-0658-4B78-9CEB-76A7B437357F}"/>
-              </a:ext>
-            </a:extLst>
-          </p:cNvPr>
+          <p:cNvPr id="2" name="Titre 1"/>
           <p:cNvSpPr>
             <a:spLocks noGrp="1"/>
           </p:cNvSpPr>
@@ -1940,19 +1719,13 @@
               <a:rPr lang="fr-FR"/>
               <a:t>Modifiez le style du titre</a:t>
             </a:r>
-            <a:endParaRPr lang="fr-CA"/>
-          </a:p>
-        </p:txBody>
-      </p:sp>
-      <p:sp>
-        <p:nvSpPr>
-          <p:cNvPr id="3" name="Espace réservé de la date 2">
-            <a:extLst>
-              <a:ext uri="{FF2B5EF4-FFF2-40B4-BE49-F238E27FC236}">
-                <a16:creationId xmlns:a16="http://schemas.microsoft.com/office/drawing/2014/main" id="{863BEA73-3681-4495-B053-33BF757516E9}"/>
-              </a:ext>
-            </a:extLst>
-          </p:cNvPr>
+            <a:endParaRPr lang="de-DE"/>
+          </a:p>
+        </p:txBody>
+      </p:sp>
+      <p:sp>
+        <p:nvSpPr>
+          <p:cNvPr id="3" name="Espace réservé de la date 2"/>
           <p:cNvSpPr>
             <a:spLocks noGrp="1"/>
           </p:cNvSpPr>
@@ -1965,23 +1738,17 @@
           <a:bodyPr/>
           <a:lstStyle/>
           <a:p>
-            <a:fld id="{07072D54-3391-4270-A1E8-1F419DBB4D99}" type="datetimeFigureOut">
-              <a:rPr lang="fr-CA" smtClean="0"/>
-              <a:t>2021-03-19</a:t>
+            <a:fld id="{638941B0-F4D5-4460-BCAD-F7E2B41A8257}" type="datetimeFigureOut">
+              <a:rPr lang="de-DE" smtClean="0"/>
+              <a:t>03.04.2021</a:t>
             </a:fld>
-            <a:endParaRPr lang="fr-CA"/>
-          </a:p>
-        </p:txBody>
-      </p:sp>
-      <p:sp>
-        <p:nvSpPr>
-          <p:cNvPr id="4" name="Espace réservé du pied de page 3">
-            <a:extLst>
-              <a:ext uri="{FF2B5EF4-FFF2-40B4-BE49-F238E27FC236}">
-                <a16:creationId xmlns:a16="http://schemas.microsoft.com/office/drawing/2014/main" id="{158095F9-4902-4801-8175-89479FD8B802}"/>
-              </a:ext>
-            </a:extLst>
-          </p:cNvPr>
+            <a:endParaRPr lang="de-DE"/>
+          </a:p>
+        </p:txBody>
+      </p:sp>
+      <p:sp>
+        <p:nvSpPr>
+          <p:cNvPr id="4" name="Espace réservé du pied de page 3"/>
           <p:cNvSpPr>
             <a:spLocks noGrp="1"/>
           </p:cNvSpPr>
@@ -1994,19 +1761,13 @@
           <a:bodyPr/>
           <a:lstStyle/>
           <a:p>
-            <a:endParaRPr lang="fr-CA"/>
-          </a:p>
-        </p:txBody>
-      </p:sp>
-      <p:sp>
-        <p:nvSpPr>
-          <p:cNvPr id="5" name="Espace réservé du numéro de diapositive 4">
-            <a:extLst>
-              <a:ext uri="{FF2B5EF4-FFF2-40B4-BE49-F238E27FC236}">
-                <a16:creationId xmlns:a16="http://schemas.microsoft.com/office/drawing/2014/main" id="{879D5AD4-EB0F-4AD5-A48C-E42F5C3CFC95}"/>
-              </a:ext>
-            </a:extLst>
-          </p:cNvPr>
+            <a:endParaRPr lang="de-DE"/>
+          </a:p>
+        </p:txBody>
+      </p:sp>
+      <p:sp>
+        <p:nvSpPr>
+          <p:cNvPr id="5" name="Espace réservé du numéro de diapositive 4"/>
           <p:cNvSpPr>
             <a:spLocks noGrp="1"/>
           </p:cNvSpPr>
@@ -2019,18 +1780,18 @@
           <a:bodyPr/>
           <a:lstStyle/>
           <a:p>
-            <a:fld id="{858922AC-956A-4D3F-A2E4-3E70219A67BC}" type="slidenum">
-              <a:rPr lang="fr-CA" smtClean="0"/>
+            <a:fld id="{27C6CCC6-2BE5-4E42-96A4-D1E8E81A3D8E}" type="slidenum">
+              <a:rPr lang="de-DE" smtClean="0"/>
               <a:t>‹N°›</a:t>
             </a:fld>
-            <a:endParaRPr lang="fr-CA"/>
+            <a:endParaRPr lang="de-DE"/>
           </a:p>
         </p:txBody>
       </p:sp>
     </p:spTree>
     <p:extLst>
       <p:ext uri="{BB962C8B-B14F-4D97-AF65-F5344CB8AC3E}">
-        <p14:creationId xmlns:p14="http://schemas.microsoft.com/office/powerpoint/2010/main" val="2267724605"/>
+        <p14:creationId xmlns:p14="http://schemas.microsoft.com/office/powerpoint/2010/main" val="3395854097"/>
       </p:ext>
     </p:extLst>
   </p:cSld>
@@ -2059,13 +1820,7 @@
       </p:grpSpPr>
       <p:sp>
         <p:nvSpPr>
-          <p:cNvPr id="2" name="Espace réservé de la date 1">
-            <a:extLst>
-              <a:ext uri="{FF2B5EF4-FFF2-40B4-BE49-F238E27FC236}">
-                <a16:creationId xmlns:a16="http://schemas.microsoft.com/office/drawing/2014/main" id="{02125636-3C23-4892-9098-A68BC15BA96C}"/>
-              </a:ext>
-            </a:extLst>
-          </p:cNvPr>
+          <p:cNvPr id="2" name="Espace réservé de la date 1"/>
           <p:cNvSpPr>
             <a:spLocks noGrp="1"/>
           </p:cNvSpPr>
@@ -2078,23 +1833,17 @@
           <a:bodyPr/>
           <a:lstStyle/>
           <a:p>
-            <a:fld id="{07072D54-3391-4270-A1E8-1F419DBB4D99}" type="datetimeFigureOut">
-              <a:rPr lang="fr-CA" smtClean="0"/>
-              <a:t>2021-03-19</a:t>
+            <a:fld id="{638941B0-F4D5-4460-BCAD-F7E2B41A8257}" type="datetimeFigureOut">
+              <a:rPr lang="de-DE" smtClean="0"/>
+              <a:t>03.04.2021</a:t>
             </a:fld>
-            <a:endParaRPr lang="fr-CA"/>
-          </a:p>
-        </p:txBody>
-      </p:sp>
-      <p:sp>
-        <p:nvSpPr>
-          <p:cNvPr id="3" name="Espace réservé du pied de page 2">
-            <a:extLst>
-              <a:ext uri="{FF2B5EF4-FFF2-40B4-BE49-F238E27FC236}">
-                <a16:creationId xmlns:a16="http://schemas.microsoft.com/office/drawing/2014/main" id="{567B95CA-3847-4ACD-9EAC-397B2C74E72C}"/>
-              </a:ext>
-            </a:extLst>
-          </p:cNvPr>
+            <a:endParaRPr lang="de-DE"/>
+          </a:p>
+        </p:txBody>
+      </p:sp>
+      <p:sp>
+        <p:nvSpPr>
+          <p:cNvPr id="3" name="Espace réservé du pied de page 2"/>
           <p:cNvSpPr>
             <a:spLocks noGrp="1"/>
           </p:cNvSpPr>
@@ -2107,19 +1856,13 @@
           <a:bodyPr/>
           <a:lstStyle/>
           <a:p>
-            <a:endParaRPr lang="fr-CA"/>
-          </a:p>
-        </p:txBody>
-      </p:sp>
-      <p:sp>
-        <p:nvSpPr>
-          <p:cNvPr id="4" name="Espace réservé du numéro de diapositive 3">
-            <a:extLst>
-              <a:ext uri="{FF2B5EF4-FFF2-40B4-BE49-F238E27FC236}">
-                <a16:creationId xmlns:a16="http://schemas.microsoft.com/office/drawing/2014/main" id="{3B164280-0DD1-4A34-BD3C-1E0157810A33}"/>
-              </a:ext>
-            </a:extLst>
-          </p:cNvPr>
+            <a:endParaRPr lang="de-DE"/>
+          </a:p>
+        </p:txBody>
+      </p:sp>
+      <p:sp>
+        <p:nvSpPr>
+          <p:cNvPr id="4" name="Espace réservé du numéro de diapositive 3"/>
           <p:cNvSpPr>
             <a:spLocks noGrp="1"/>
           </p:cNvSpPr>
@@ -2132,18 +1875,18 @@
           <a:bodyPr/>
           <a:lstStyle/>
           <a:p>
-            <a:fld id="{858922AC-956A-4D3F-A2E4-3E70219A67BC}" type="slidenum">
-              <a:rPr lang="fr-CA" smtClean="0"/>
+            <a:fld id="{27C6CCC6-2BE5-4E42-96A4-D1E8E81A3D8E}" type="slidenum">
+              <a:rPr lang="de-DE" smtClean="0"/>
               <a:t>‹N°›</a:t>
             </a:fld>
-            <a:endParaRPr lang="fr-CA"/>
+            <a:endParaRPr lang="de-DE"/>
           </a:p>
         </p:txBody>
       </p:sp>
     </p:spTree>
     <p:extLst>
       <p:ext uri="{BB962C8B-B14F-4D97-AF65-F5344CB8AC3E}">
-        <p14:creationId xmlns:p14="http://schemas.microsoft.com/office/powerpoint/2010/main" val="1259829059"/>
+        <p14:creationId xmlns:p14="http://schemas.microsoft.com/office/powerpoint/2010/main" val="4040201302"/>
       </p:ext>
     </p:extLst>
   </p:cSld>
@@ -2172,13 +1915,7 @@
       </p:grpSpPr>
       <p:sp>
         <p:nvSpPr>
-          <p:cNvPr id="2" name="Titre 1">
-            <a:extLst>
-              <a:ext uri="{FF2B5EF4-FFF2-40B4-BE49-F238E27FC236}">
-                <a16:creationId xmlns:a16="http://schemas.microsoft.com/office/drawing/2014/main" id="{81173780-1BE7-4BB0-81DD-14884E4E6005}"/>
-              </a:ext>
-            </a:extLst>
-          </p:cNvPr>
+          <p:cNvPr id="2" name="Titre 1"/>
           <p:cNvSpPr>
             <a:spLocks noGrp="1"/>
           </p:cNvSpPr>
@@ -2204,19 +1941,13 @@
               <a:rPr lang="fr-FR"/>
               <a:t>Modifiez le style du titre</a:t>
             </a:r>
-            <a:endParaRPr lang="fr-CA"/>
-          </a:p>
-        </p:txBody>
-      </p:sp>
-      <p:sp>
-        <p:nvSpPr>
-          <p:cNvPr id="3" name="Espace réservé du contenu 2">
-            <a:extLst>
-              <a:ext uri="{FF2B5EF4-FFF2-40B4-BE49-F238E27FC236}">
-                <a16:creationId xmlns:a16="http://schemas.microsoft.com/office/drawing/2014/main" id="{476392DA-D68F-44F7-827D-29113EA05691}"/>
-              </a:ext>
-            </a:extLst>
-          </p:cNvPr>
+            <a:endParaRPr lang="de-DE"/>
+          </a:p>
+        </p:txBody>
+      </p:sp>
+      <p:sp>
+        <p:nvSpPr>
+          <p:cNvPr id="3" name="Espace réservé du contenu 2"/>
           <p:cNvSpPr>
             <a:spLocks noGrp="1"/>
           </p:cNvSpPr>
@@ -2265,7 +1996,7 @@
             <a:pPr lvl="0"/>
             <a:r>
               <a:rPr lang="fr-FR"/>
-              <a:t>Cliquez pour modifier les styles du texte du masque</a:t>
+              <a:t>Modifiez les styles du texte du masque</a:t>
             </a:r>
           </a:p>
           <a:p>
@@ -2295,19 +2026,13 @@
               <a:rPr lang="fr-FR"/>
               <a:t>Cinquième niveau</a:t>
             </a:r>
-            <a:endParaRPr lang="fr-CA"/>
-          </a:p>
-        </p:txBody>
-      </p:sp>
-      <p:sp>
-        <p:nvSpPr>
-          <p:cNvPr id="4" name="Espace réservé du texte 3">
-            <a:extLst>
-              <a:ext uri="{FF2B5EF4-FFF2-40B4-BE49-F238E27FC236}">
-                <a16:creationId xmlns:a16="http://schemas.microsoft.com/office/drawing/2014/main" id="{4523586C-E3F5-44E7-909A-680323B9AC4D}"/>
-              </a:ext>
-            </a:extLst>
-          </p:cNvPr>
+            <a:endParaRPr lang="de-DE"/>
+          </a:p>
+        </p:txBody>
+      </p:sp>
+      <p:sp>
+        <p:nvSpPr>
+          <p:cNvPr id="4" name="Espace réservé du texte 3"/>
           <p:cNvSpPr>
             <a:spLocks noGrp="1"/>
           </p:cNvSpPr>
@@ -2365,20 +2090,14 @@
             <a:pPr lvl="0"/>
             <a:r>
               <a:rPr lang="fr-FR"/>
-              <a:t>Cliquez pour modifier les styles du texte du masque</a:t>
-            </a:r>
-          </a:p>
-        </p:txBody>
-      </p:sp>
-      <p:sp>
-        <p:nvSpPr>
-          <p:cNvPr id="5" name="Espace réservé de la date 4">
-            <a:extLst>
-              <a:ext uri="{FF2B5EF4-FFF2-40B4-BE49-F238E27FC236}">
-                <a16:creationId xmlns:a16="http://schemas.microsoft.com/office/drawing/2014/main" id="{51B60133-A522-4B7E-9F86-23BD2BD62341}"/>
-              </a:ext>
-            </a:extLst>
-          </p:cNvPr>
+              <a:t>Modifiez les styles du texte du masque</a:t>
+            </a:r>
+          </a:p>
+        </p:txBody>
+      </p:sp>
+      <p:sp>
+        <p:nvSpPr>
+          <p:cNvPr id="5" name="Espace réservé de la date 4"/>
           <p:cNvSpPr>
             <a:spLocks noGrp="1"/>
           </p:cNvSpPr>
@@ -2391,23 +2110,17 @@
           <a:bodyPr/>
           <a:lstStyle/>
           <a:p>
-            <a:fld id="{07072D54-3391-4270-A1E8-1F419DBB4D99}" type="datetimeFigureOut">
-              <a:rPr lang="fr-CA" smtClean="0"/>
-              <a:t>2021-03-19</a:t>
+            <a:fld id="{638941B0-F4D5-4460-BCAD-F7E2B41A8257}" type="datetimeFigureOut">
+              <a:rPr lang="de-DE" smtClean="0"/>
+              <a:t>03.04.2021</a:t>
             </a:fld>
-            <a:endParaRPr lang="fr-CA"/>
-          </a:p>
-        </p:txBody>
-      </p:sp>
-      <p:sp>
-        <p:nvSpPr>
-          <p:cNvPr id="6" name="Espace réservé du pied de page 5">
-            <a:extLst>
-              <a:ext uri="{FF2B5EF4-FFF2-40B4-BE49-F238E27FC236}">
-                <a16:creationId xmlns:a16="http://schemas.microsoft.com/office/drawing/2014/main" id="{1F1BC896-8885-4F4A-8A93-9F8FAC33134C}"/>
-              </a:ext>
-            </a:extLst>
-          </p:cNvPr>
+            <a:endParaRPr lang="de-DE"/>
+          </a:p>
+        </p:txBody>
+      </p:sp>
+      <p:sp>
+        <p:nvSpPr>
+          <p:cNvPr id="6" name="Espace réservé du pied de page 5"/>
           <p:cNvSpPr>
             <a:spLocks noGrp="1"/>
           </p:cNvSpPr>
@@ -2420,19 +2133,13 @@
           <a:bodyPr/>
           <a:lstStyle/>
           <a:p>
-            <a:endParaRPr lang="fr-CA"/>
-          </a:p>
-        </p:txBody>
-      </p:sp>
-      <p:sp>
-        <p:nvSpPr>
-          <p:cNvPr id="7" name="Espace réservé du numéro de diapositive 6">
-            <a:extLst>
-              <a:ext uri="{FF2B5EF4-FFF2-40B4-BE49-F238E27FC236}">
-                <a16:creationId xmlns:a16="http://schemas.microsoft.com/office/drawing/2014/main" id="{03D3A6C5-5D9C-4040-A1E4-14230C1F34D3}"/>
-              </a:ext>
-            </a:extLst>
-          </p:cNvPr>
+            <a:endParaRPr lang="de-DE"/>
+          </a:p>
+        </p:txBody>
+      </p:sp>
+      <p:sp>
+        <p:nvSpPr>
+          <p:cNvPr id="7" name="Espace réservé du numéro de diapositive 6"/>
           <p:cNvSpPr>
             <a:spLocks noGrp="1"/>
           </p:cNvSpPr>
@@ -2445,18 +2152,18 @@
           <a:bodyPr/>
           <a:lstStyle/>
           <a:p>
-            <a:fld id="{858922AC-956A-4D3F-A2E4-3E70219A67BC}" type="slidenum">
-              <a:rPr lang="fr-CA" smtClean="0"/>
+            <a:fld id="{27C6CCC6-2BE5-4E42-96A4-D1E8E81A3D8E}" type="slidenum">
+              <a:rPr lang="de-DE" smtClean="0"/>
               <a:t>‹N°›</a:t>
             </a:fld>
-            <a:endParaRPr lang="fr-CA"/>
+            <a:endParaRPr lang="de-DE"/>
           </a:p>
         </p:txBody>
       </p:sp>
     </p:spTree>
     <p:extLst>
       <p:ext uri="{BB962C8B-B14F-4D97-AF65-F5344CB8AC3E}">
-        <p14:creationId xmlns:p14="http://schemas.microsoft.com/office/powerpoint/2010/main" val="369768854"/>
+        <p14:creationId xmlns:p14="http://schemas.microsoft.com/office/powerpoint/2010/main" val="2706407263"/>
       </p:ext>
     </p:extLst>
   </p:cSld>
@@ -2485,13 +2192,7 @@
       </p:grpSpPr>
       <p:sp>
         <p:nvSpPr>
-          <p:cNvPr id="2" name="Titre 1">
-            <a:extLst>
-              <a:ext uri="{FF2B5EF4-FFF2-40B4-BE49-F238E27FC236}">
-                <a16:creationId xmlns:a16="http://schemas.microsoft.com/office/drawing/2014/main" id="{309746BC-7303-4DE3-8DC4-DACCD37E82C1}"/>
-              </a:ext>
-            </a:extLst>
-          </p:cNvPr>
+          <p:cNvPr id="2" name="Titre 1"/>
           <p:cNvSpPr>
             <a:spLocks noGrp="1"/>
           </p:cNvSpPr>
@@ -2517,19 +2218,13 @@
               <a:rPr lang="fr-FR"/>
               <a:t>Modifiez le style du titre</a:t>
             </a:r>
-            <a:endParaRPr lang="fr-CA"/>
-          </a:p>
-        </p:txBody>
-      </p:sp>
-      <p:sp>
-        <p:nvSpPr>
-          <p:cNvPr id="3" name="Espace réservé pour une image  2">
-            <a:extLst>
-              <a:ext uri="{FF2B5EF4-FFF2-40B4-BE49-F238E27FC236}">
-                <a16:creationId xmlns:a16="http://schemas.microsoft.com/office/drawing/2014/main" id="{5B0CCF5D-95CF-4287-B557-807FB366D823}"/>
-              </a:ext>
-            </a:extLst>
-          </p:cNvPr>
+            <a:endParaRPr lang="de-DE"/>
+          </a:p>
+        </p:txBody>
+      </p:sp>
+      <p:sp>
+        <p:nvSpPr>
+          <p:cNvPr id="3" name="Espace réservé pour une image  2"/>
           <p:cNvSpPr>
             <a:spLocks noGrp="1"/>
           </p:cNvSpPr>
@@ -2584,19 +2279,13 @@
             </a:lvl9pPr>
           </a:lstStyle>
           <a:p>
-            <a:endParaRPr lang="fr-CA"/>
-          </a:p>
-        </p:txBody>
-      </p:sp>
-      <p:sp>
-        <p:nvSpPr>
-          <p:cNvPr id="4" name="Espace réservé du texte 3">
-            <a:extLst>
-              <a:ext uri="{FF2B5EF4-FFF2-40B4-BE49-F238E27FC236}">
-                <a16:creationId xmlns:a16="http://schemas.microsoft.com/office/drawing/2014/main" id="{6C6DED98-2722-476B-8B7D-E781229F1618}"/>
-              </a:ext>
-            </a:extLst>
-          </p:cNvPr>
+            <a:endParaRPr lang="de-DE"/>
+          </a:p>
+        </p:txBody>
+      </p:sp>
+      <p:sp>
+        <p:nvSpPr>
+          <p:cNvPr id="4" name="Espace réservé du texte 3"/>
           <p:cNvSpPr>
             <a:spLocks noGrp="1"/>
           </p:cNvSpPr>
@@ -2654,20 +2343,14 @@
             <a:pPr lvl="0"/>
             <a:r>
               <a:rPr lang="fr-FR"/>
-              <a:t>Cliquez pour modifier les styles du texte du masque</a:t>
-            </a:r>
-          </a:p>
-        </p:txBody>
-      </p:sp>
-      <p:sp>
-        <p:nvSpPr>
-          <p:cNvPr id="5" name="Espace réservé de la date 4">
-            <a:extLst>
-              <a:ext uri="{FF2B5EF4-FFF2-40B4-BE49-F238E27FC236}">
-                <a16:creationId xmlns:a16="http://schemas.microsoft.com/office/drawing/2014/main" id="{6DE8E74B-C35D-445A-9527-D8DFFDC81945}"/>
-              </a:ext>
-            </a:extLst>
-          </p:cNvPr>
+              <a:t>Modifiez les styles du texte du masque</a:t>
+            </a:r>
+          </a:p>
+        </p:txBody>
+      </p:sp>
+      <p:sp>
+        <p:nvSpPr>
+          <p:cNvPr id="5" name="Espace réservé de la date 4"/>
           <p:cNvSpPr>
             <a:spLocks noGrp="1"/>
           </p:cNvSpPr>
@@ -2680,23 +2363,17 @@
           <a:bodyPr/>
           <a:lstStyle/>
           <a:p>
-            <a:fld id="{07072D54-3391-4270-A1E8-1F419DBB4D99}" type="datetimeFigureOut">
-              <a:rPr lang="fr-CA" smtClean="0"/>
-              <a:t>2021-03-19</a:t>
+            <a:fld id="{638941B0-F4D5-4460-BCAD-F7E2B41A8257}" type="datetimeFigureOut">
+              <a:rPr lang="de-DE" smtClean="0"/>
+              <a:t>03.04.2021</a:t>
             </a:fld>
-            <a:endParaRPr lang="fr-CA"/>
-          </a:p>
-        </p:txBody>
-      </p:sp>
-      <p:sp>
-        <p:nvSpPr>
-          <p:cNvPr id="6" name="Espace réservé du pied de page 5">
-            <a:extLst>
-              <a:ext uri="{FF2B5EF4-FFF2-40B4-BE49-F238E27FC236}">
-                <a16:creationId xmlns:a16="http://schemas.microsoft.com/office/drawing/2014/main" id="{E53FB91A-93FB-4623-8152-AB4E6CA346D1}"/>
-              </a:ext>
-            </a:extLst>
-          </p:cNvPr>
+            <a:endParaRPr lang="de-DE"/>
+          </a:p>
+        </p:txBody>
+      </p:sp>
+      <p:sp>
+        <p:nvSpPr>
+          <p:cNvPr id="6" name="Espace réservé du pied de page 5"/>
           <p:cNvSpPr>
             <a:spLocks noGrp="1"/>
           </p:cNvSpPr>
@@ -2709,19 +2386,13 @@
           <a:bodyPr/>
           <a:lstStyle/>
           <a:p>
-            <a:endParaRPr lang="fr-CA"/>
-          </a:p>
-        </p:txBody>
-      </p:sp>
-      <p:sp>
-        <p:nvSpPr>
-          <p:cNvPr id="7" name="Espace réservé du numéro de diapositive 6">
-            <a:extLst>
-              <a:ext uri="{FF2B5EF4-FFF2-40B4-BE49-F238E27FC236}">
-                <a16:creationId xmlns:a16="http://schemas.microsoft.com/office/drawing/2014/main" id="{5A89C837-80E1-4C71-9C54-3B3AA54098B8}"/>
-              </a:ext>
-            </a:extLst>
-          </p:cNvPr>
+            <a:endParaRPr lang="de-DE"/>
+          </a:p>
+        </p:txBody>
+      </p:sp>
+      <p:sp>
+        <p:nvSpPr>
+          <p:cNvPr id="7" name="Espace réservé du numéro de diapositive 6"/>
           <p:cNvSpPr>
             <a:spLocks noGrp="1"/>
           </p:cNvSpPr>
@@ -2734,18 +2405,18 @@
           <a:bodyPr/>
           <a:lstStyle/>
           <a:p>
-            <a:fld id="{858922AC-956A-4D3F-A2E4-3E70219A67BC}" type="slidenum">
-              <a:rPr lang="fr-CA" smtClean="0"/>
+            <a:fld id="{27C6CCC6-2BE5-4E42-96A4-D1E8E81A3D8E}" type="slidenum">
+              <a:rPr lang="de-DE" smtClean="0"/>
               <a:t>‹N°›</a:t>
             </a:fld>
-            <a:endParaRPr lang="fr-CA"/>
+            <a:endParaRPr lang="de-DE"/>
           </a:p>
         </p:txBody>
       </p:sp>
     </p:spTree>
     <p:extLst>
       <p:ext uri="{BB962C8B-B14F-4D97-AF65-F5344CB8AC3E}">
-        <p14:creationId xmlns:p14="http://schemas.microsoft.com/office/powerpoint/2010/main" val="2181319906"/>
+        <p14:creationId xmlns:p14="http://schemas.microsoft.com/office/powerpoint/2010/main" val="1610903340"/>
       </p:ext>
     </p:extLst>
   </p:cSld>
@@ -2779,13 +2450,7 @@
       </p:grpSpPr>
       <p:sp>
         <p:nvSpPr>
-          <p:cNvPr id="2" name="Espace réservé du titre 1">
-            <a:extLst>
-              <a:ext uri="{FF2B5EF4-FFF2-40B4-BE49-F238E27FC236}">
-                <a16:creationId xmlns:a16="http://schemas.microsoft.com/office/drawing/2014/main" id="{2BB4B938-64D7-44C0-AF70-2540EDE2B13E}"/>
-              </a:ext>
-            </a:extLst>
-          </p:cNvPr>
+          <p:cNvPr id="2" name="Espace réservé du titre 1"/>
           <p:cNvSpPr>
             <a:spLocks noGrp="1"/>
           </p:cNvSpPr>
@@ -2812,19 +2477,13 @@
               <a:rPr lang="fr-FR"/>
               <a:t>Modifiez le style du titre</a:t>
             </a:r>
-            <a:endParaRPr lang="fr-CA"/>
-          </a:p>
-        </p:txBody>
-      </p:sp>
-      <p:sp>
-        <p:nvSpPr>
-          <p:cNvPr id="3" name="Espace réservé du texte 2">
-            <a:extLst>
-              <a:ext uri="{FF2B5EF4-FFF2-40B4-BE49-F238E27FC236}">
-                <a16:creationId xmlns:a16="http://schemas.microsoft.com/office/drawing/2014/main" id="{AAB72C78-6DAB-4D59-9563-226BFA9B05B3}"/>
-              </a:ext>
-            </a:extLst>
-          </p:cNvPr>
+            <a:endParaRPr lang="de-DE"/>
+          </a:p>
+        </p:txBody>
+      </p:sp>
+      <p:sp>
+        <p:nvSpPr>
+          <p:cNvPr id="3" name="Espace réservé du texte 2"/>
           <p:cNvSpPr>
             <a:spLocks noGrp="1"/>
           </p:cNvSpPr>
@@ -2850,7 +2509,7 @@
             <a:pPr lvl="0"/>
             <a:r>
               <a:rPr lang="fr-FR"/>
-              <a:t>Cliquez pour modifier les styles du texte du masque</a:t>
+              <a:t>Modifiez les styles du texte du masque</a:t>
             </a:r>
           </a:p>
           <a:p>
@@ -2880,19 +2539,13 @@
               <a:rPr lang="fr-FR"/>
               <a:t>Cinquième niveau</a:t>
             </a:r>
-            <a:endParaRPr lang="fr-CA"/>
-          </a:p>
-        </p:txBody>
-      </p:sp>
-      <p:sp>
-        <p:nvSpPr>
-          <p:cNvPr id="4" name="Espace réservé de la date 3">
-            <a:extLst>
-              <a:ext uri="{FF2B5EF4-FFF2-40B4-BE49-F238E27FC236}">
-                <a16:creationId xmlns:a16="http://schemas.microsoft.com/office/drawing/2014/main" id="{F43CC154-0A8A-4AEA-A4C1-7F4587FB6CE7}"/>
-              </a:ext>
-            </a:extLst>
-          </p:cNvPr>
+            <a:endParaRPr lang="de-DE"/>
+          </a:p>
+        </p:txBody>
+      </p:sp>
+      <p:sp>
+        <p:nvSpPr>
+          <p:cNvPr id="4" name="Espace réservé de la date 3"/>
           <p:cNvSpPr>
             <a:spLocks noGrp="1"/>
           </p:cNvSpPr>
@@ -2923,23 +2576,17 @@
             </a:lvl1pPr>
           </a:lstStyle>
           <a:p>
-            <a:fld id="{07072D54-3391-4270-A1E8-1F419DBB4D99}" type="datetimeFigureOut">
-              <a:rPr lang="fr-CA" smtClean="0"/>
-              <a:t>2021-03-19</a:t>
+            <a:fld id="{638941B0-F4D5-4460-BCAD-F7E2B41A8257}" type="datetimeFigureOut">
+              <a:rPr lang="de-DE" smtClean="0"/>
+              <a:t>03.04.2021</a:t>
             </a:fld>
-            <a:endParaRPr lang="fr-CA"/>
-          </a:p>
-        </p:txBody>
-      </p:sp>
-      <p:sp>
-        <p:nvSpPr>
-          <p:cNvPr id="5" name="Espace réservé du pied de page 4">
-            <a:extLst>
-              <a:ext uri="{FF2B5EF4-FFF2-40B4-BE49-F238E27FC236}">
-                <a16:creationId xmlns:a16="http://schemas.microsoft.com/office/drawing/2014/main" id="{0BF180C9-0767-4E19-AB38-9B31CCAF1DCE}"/>
-              </a:ext>
-            </a:extLst>
-          </p:cNvPr>
+            <a:endParaRPr lang="de-DE"/>
+          </a:p>
+        </p:txBody>
+      </p:sp>
+      <p:sp>
+        <p:nvSpPr>
+          <p:cNvPr id="5" name="Espace réservé du pied de page 4"/>
           <p:cNvSpPr>
             <a:spLocks noGrp="1"/>
           </p:cNvSpPr>
@@ -2970,19 +2617,13 @@
             </a:lvl1pPr>
           </a:lstStyle>
           <a:p>
-            <a:endParaRPr lang="fr-CA"/>
-          </a:p>
-        </p:txBody>
-      </p:sp>
-      <p:sp>
-        <p:nvSpPr>
-          <p:cNvPr id="6" name="Espace réservé du numéro de diapositive 5">
-            <a:extLst>
-              <a:ext uri="{FF2B5EF4-FFF2-40B4-BE49-F238E27FC236}">
-                <a16:creationId xmlns:a16="http://schemas.microsoft.com/office/drawing/2014/main" id="{5BA4DF64-E3C1-4017-B8AA-EB9DC8B59D81}"/>
-              </a:ext>
-            </a:extLst>
-          </p:cNvPr>
+            <a:endParaRPr lang="de-DE"/>
+          </a:p>
+        </p:txBody>
+      </p:sp>
+      <p:sp>
+        <p:nvSpPr>
+          <p:cNvPr id="6" name="Espace réservé du numéro de diapositive 5"/>
           <p:cNvSpPr>
             <a:spLocks noGrp="1"/>
           </p:cNvSpPr>
@@ -3013,18 +2654,18 @@
             </a:lvl1pPr>
           </a:lstStyle>
           <a:p>
-            <a:fld id="{858922AC-956A-4D3F-A2E4-3E70219A67BC}" type="slidenum">
-              <a:rPr lang="fr-CA" smtClean="0"/>
+            <a:fld id="{27C6CCC6-2BE5-4E42-96A4-D1E8E81A3D8E}" type="slidenum">
+              <a:rPr lang="de-DE" smtClean="0"/>
               <a:t>‹N°›</a:t>
             </a:fld>
-            <a:endParaRPr lang="fr-CA"/>
+            <a:endParaRPr lang="de-DE"/>
           </a:p>
         </p:txBody>
       </p:sp>
     </p:spTree>
     <p:extLst>
       <p:ext uri="{BB962C8B-B14F-4D97-AF65-F5344CB8AC3E}">
-        <p14:creationId xmlns:p14="http://schemas.microsoft.com/office/powerpoint/2010/main" val="496821305"/>
+        <p14:creationId xmlns:p14="http://schemas.microsoft.com/office/powerpoint/2010/main" val="3071127875"/>
       </p:ext>
     </p:extLst>
   </p:cSld>
@@ -3228,7 +2869,7 @@
     </p:bodyStyle>
     <p:otherStyle>
       <a:defPPr>
-        <a:defRPr lang="fr-FR"/>
+        <a:defRPr lang="de-DE"/>
       </a:defPPr>
       <a:lvl1pPr marL="0" algn="l" defTabSz="914400" rtl="0" eaLnBrk="1" latinLnBrk="0" hangingPunct="1">
         <a:defRPr sz="1800" kern="1200">
@@ -3344,10 +2985,207 @@
       </p:grpSpPr>
       <p:sp>
         <p:nvSpPr>
+          <p:cNvPr id="2" name="Titre 1"/>
+          <p:cNvSpPr>
+            <a:spLocks noGrp="1"/>
+          </p:cNvSpPr>
+          <p:nvPr>
+            <p:ph type="ctrTitle"/>
+          </p:nvPr>
+        </p:nvSpPr>
+        <p:spPr>
+          <a:xfrm>
+            <a:off x="1524000" y="937390"/>
+            <a:ext cx="9144000" cy="2387600"/>
+          </a:xfrm>
+        </p:spPr>
+        <p:txBody>
+          <a:bodyPr>
+            <a:normAutofit/>
+          </a:bodyPr>
+          <a:lstStyle/>
+          <a:p>
+            <a:r>
+              <a:rPr lang="fr-CA" sz="4400" b="1" dirty="0"/>
+              <a:t>Mouvement brownien et agrégation par diffusion limitée</a:t>
+            </a:r>
+            <a:endParaRPr lang="de-DE" sz="4400" b="1" dirty="0"/>
+          </a:p>
+        </p:txBody>
+      </p:sp>
+      <p:sp>
+        <p:nvSpPr>
+          <p:cNvPr id="3" name="Sous-titre 2"/>
+          <p:cNvSpPr>
+            <a:spLocks noGrp="1"/>
+          </p:cNvSpPr>
+          <p:nvPr>
+            <p:ph type="subTitle" idx="1"/>
+          </p:nvPr>
+        </p:nvSpPr>
+        <p:spPr>
+          <a:xfrm>
+            <a:off x="1524000" y="3602037"/>
+            <a:ext cx="9144000" cy="1971807"/>
+          </a:xfrm>
+        </p:spPr>
+        <p:txBody>
+          <a:bodyPr>
+            <a:normAutofit/>
+          </a:bodyPr>
+          <a:lstStyle/>
+          <a:p>
+            <a:r>
+              <a:rPr lang="fr-CA" dirty="0"/>
+              <a:t>Par Mélissa Cinq-Mars, Pierre-Olivier Janvier et Maxence Larose</a:t>
+            </a:r>
+          </a:p>
+          <a:p>
+            <a:r>
+              <a:rPr lang="fr-CA" sz="2000" dirty="0"/>
+              <a:t>PHY-3500: Physique numérique</a:t>
+            </a:r>
+          </a:p>
+          <a:p>
+            <a:r>
+              <a:rPr lang="fr-CA" sz="2000" dirty="0"/>
+              <a:t>Département de physique, de génie physique et d‘optique</a:t>
+            </a:r>
+          </a:p>
+          <a:p>
+            <a:r>
+              <a:rPr lang="fr-CA" sz="2000" dirty="0"/>
+              <a:t>H2021</a:t>
+            </a:r>
+          </a:p>
+        </p:txBody>
+      </p:sp>
+      <p:sp>
+        <p:nvSpPr>
+          <p:cNvPr id="4" name="Rectangle 3">
+            <a:extLst>
+              <a:ext uri="{FF2B5EF4-FFF2-40B4-BE49-F238E27FC236}">
+                <a16:creationId xmlns:a16="http://schemas.microsoft.com/office/drawing/2014/main" id="{05844BC5-1B43-4506-A4AD-DAD6BCEC198D}"/>
+              </a:ext>
+            </a:extLst>
+          </p:cNvPr>
+          <p:cNvSpPr/>
+          <p:nvPr/>
+        </p:nvSpPr>
+        <p:spPr>
+          <a:xfrm>
+            <a:off x="201227" y="5687713"/>
+            <a:ext cx="11789546" cy="45719"/>
+          </a:xfrm>
+          <a:prstGeom prst="rect">
+            <a:avLst/>
+          </a:prstGeom>
+          <a:solidFill>
+            <a:srgbClr val="C00000"/>
+          </a:solidFill>
+          <a:ln>
+            <a:solidFill>
+              <a:srgbClr val="C00000"/>
+            </a:solidFill>
+          </a:ln>
+        </p:spPr>
+        <p:style>
+          <a:lnRef idx="2">
+            <a:schemeClr val="accent1">
+              <a:shade val="50000"/>
+            </a:schemeClr>
+          </a:lnRef>
+          <a:fillRef idx="1">
+            <a:schemeClr val="accent1"/>
+          </a:fillRef>
+          <a:effectRef idx="0">
+            <a:schemeClr val="accent1"/>
+          </a:effectRef>
+          <a:fontRef idx="minor">
+            <a:schemeClr val="lt1"/>
+          </a:fontRef>
+        </p:style>
+        <p:txBody>
+          <a:bodyPr rtlCol="0" anchor="ctr"/>
+          <a:lstStyle/>
+          <a:p>
+            <a:pPr algn="ctr"/>
+            <a:endParaRPr lang="fr-CA"/>
+          </a:p>
+        </p:txBody>
+      </p:sp>
+      <p:pic>
+        <p:nvPicPr>
+          <p:cNvPr id="8" name="Image 7">
+            <a:extLst>
+              <a:ext uri="{FF2B5EF4-FFF2-40B4-BE49-F238E27FC236}">
+                <a16:creationId xmlns:a16="http://schemas.microsoft.com/office/drawing/2014/main" id="{8939EEE1-AA76-46E4-B72A-2651BD033E82}"/>
+              </a:ext>
+            </a:extLst>
+          </p:cNvPr>
+          <p:cNvPicPr>
+            <a:picLocks noChangeAspect="1"/>
+          </p:cNvPicPr>
+          <p:nvPr/>
+        </p:nvPicPr>
+        <p:blipFill>
+          <a:blip r:embed="rId2" cstate="print">
+            <a:extLst>
+              <a:ext uri="{28A0092B-C50C-407E-A947-70E740481C1C}">
+                <a14:useLocalDpi xmlns:a14="http://schemas.microsoft.com/office/drawing/2010/main" val="0"/>
+              </a:ext>
+            </a:extLst>
+          </a:blip>
+          <a:stretch>
+            <a:fillRect/>
+          </a:stretch>
+        </p:blipFill>
+        <p:spPr>
+          <a:xfrm>
+            <a:off x="452760" y="5902078"/>
+            <a:ext cx="1734105" cy="753252"/>
+          </a:xfrm>
+          <a:prstGeom prst="rect">
+            <a:avLst/>
+          </a:prstGeom>
+        </p:spPr>
+      </p:pic>
+    </p:spTree>
+    <p:extLst>
+      <p:ext uri="{BB962C8B-B14F-4D97-AF65-F5344CB8AC3E}">
+        <p14:creationId xmlns:p14="http://schemas.microsoft.com/office/powerpoint/2010/main" val="3784089036"/>
+      </p:ext>
+    </p:extLst>
+  </p:cSld>
+  <p:clrMapOvr>
+    <a:masterClrMapping/>
+  </p:clrMapOvr>
+</p:sld>
+</file>
+
+<file path=ppt/slides/slide2.xml><?xml version="1.0" encoding="utf-8"?>
+<p:sld xmlns:a="http://schemas.openxmlformats.org/drawingml/2006/main" xmlns:r="http://schemas.openxmlformats.org/officeDocument/2006/relationships" xmlns:p="http://schemas.openxmlformats.org/presentationml/2006/main">
+  <p:cSld>
+    <p:spTree>
+      <p:nvGrpSpPr>
+        <p:cNvPr id="1" name=""/>
+        <p:cNvGrpSpPr/>
+        <p:nvPr/>
+      </p:nvGrpSpPr>
+      <p:grpSpPr>
+        <a:xfrm>
+          <a:off x="0" y="0"/>
+          <a:ext cx="0" cy="0"/>
+          <a:chOff x="0" y="0"/>
+          <a:chExt cx="0" cy="0"/>
+        </a:xfrm>
+      </p:grpSpPr>
+      <p:sp>
+        <p:nvSpPr>
           <p:cNvPr id="2" name="Titre 1">
             <a:extLst>
               <a:ext uri="{FF2B5EF4-FFF2-40B4-BE49-F238E27FC236}">
-                <a16:creationId xmlns:a16="http://schemas.microsoft.com/office/drawing/2014/main" id="{260DBBBE-772B-4B0A-BD1D-92FF46B4C34C}"/>
+                <a16:creationId xmlns:a16="http://schemas.microsoft.com/office/drawing/2014/main" id="{B822D6DF-B341-458B-ABD2-EE62C905D4B9}"/>
               </a:ext>
             </a:extLst>
           </p:cNvPr>
@@ -3355,24 +3193,32 @@
             <a:spLocks noGrp="1"/>
           </p:cNvSpPr>
           <p:nvPr>
-            <p:ph type="ctrTitle"/>
-          </p:nvPr>
-        </p:nvSpPr>
-        <p:spPr/>
+            <p:ph type="title"/>
+          </p:nvPr>
+        </p:nvSpPr>
+        <p:spPr>
+          <a:xfrm>
+            <a:off x="838200" y="696292"/>
+            <a:ext cx="10515600" cy="1325563"/>
+          </a:xfrm>
+        </p:spPr>
         <p:txBody>
           <a:bodyPr/>
           <a:lstStyle/>
           <a:p>
-            <a:endParaRPr lang="fr-CA"/>
-          </a:p>
-        </p:txBody>
-      </p:sp>
-      <p:sp>
-        <p:nvSpPr>
-          <p:cNvPr id="3" name="Sous-titre 2">
+            <a:r>
+              <a:rPr lang="fr-CA" dirty="0"/>
+              <a:t>Plan de la présentation </a:t>
+            </a:r>
+          </a:p>
+        </p:txBody>
+      </p:sp>
+      <p:sp>
+        <p:nvSpPr>
+          <p:cNvPr id="3" name="Espace réservé du contenu 2">
             <a:extLst>
               <a:ext uri="{FF2B5EF4-FFF2-40B4-BE49-F238E27FC236}">
-                <a16:creationId xmlns:a16="http://schemas.microsoft.com/office/drawing/2014/main" id="{236FFA4D-70BF-44C7-BE09-0C3606DA375E}"/>
+                <a16:creationId xmlns:a16="http://schemas.microsoft.com/office/drawing/2014/main" id="{9689DC6D-2E04-48D2-86D9-405214D5382C}"/>
               </a:ext>
             </a:extLst>
           </p:cNvPr>
@@ -3380,22 +3226,1418 @@
             <a:spLocks noGrp="1"/>
           </p:cNvSpPr>
           <p:nvPr>
-            <p:ph type="subTitle" idx="1"/>
-          </p:nvPr>
-        </p:nvSpPr>
-        <p:spPr/>
-        <p:txBody>
-          <a:bodyPr/>
-          <a:lstStyle/>
-          <a:p>
+            <p:ph idx="1"/>
+          </p:nvPr>
+        </p:nvSpPr>
+        <p:spPr>
+          <a:xfrm>
+            <a:off x="838200" y="2021855"/>
+            <a:ext cx="10515600" cy="3752595"/>
+          </a:xfrm>
+        </p:spPr>
+        <p:txBody>
+          <a:bodyPr>
+            <a:normAutofit/>
+          </a:bodyPr>
+          <a:lstStyle/>
+          <a:p>
+            <a:pPr marL="514350" indent="-514350">
+              <a:buFont typeface="+mj-lt"/>
+              <a:buAutoNum type="romanUcPeriod"/>
+            </a:pPr>
+            <a:r>
+              <a:rPr lang="fr-CA" sz="2400" dirty="0"/>
+              <a:t>Introduction</a:t>
+            </a:r>
+          </a:p>
+          <a:p>
+            <a:pPr marL="514350" indent="-514350">
+              <a:buFont typeface="+mj-lt"/>
+              <a:buAutoNum type="romanUcPeriod"/>
+            </a:pPr>
+            <a:r>
+              <a:rPr lang="fr-CA" sz="2400" dirty="0"/>
+              <a:t>Contexte théorique</a:t>
+            </a:r>
+          </a:p>
+          <a:p>
+            <a:pPr marL="514350" indent="-514350">
+              <a:buFont typeface="+mj-lt"/>
+              <a:buAutoNum type="romanUcPeriod"/>
+            </a:pPr>
+            <a:r>
+              <a:rPr lang="fr-CA" sz="2400" dirty="0"/>
+              <a:t>Méthode</a:t>
+            </a:r>
+          </a:p>
+          <a:p>
+            <a:pPr marL="514350" indent="-514350">
+              <a:buFont typeface="+mj-lt"/>
+              <a:buAutoNum type="romanUcPeriod"/>
+            </a:pPr>
+            <a:r>
+              <a:rPr lang="fr-CA" sz="2400" dirty="0"/>
+              <a:t>Résultats </a:t>
+            </a:r>
+          </a:p>
+          <a:p>
+            <a:pPr marL="514350" indent="-514350">
+              <a:buFont typeface="+mj-lt"/>
+              <a:buAutoNum type="romanUcPeriod"/>
+            </a:pPr>
+            <a:r>
+              <a:rPr lang="fr-CA" sz="2400" dirty="0"/>
+              <a:t>Discussion</a:t>
+            </a:r>
+          </a:p>
+          <a:p>
+            <a:pPr marL="514350" indent="-514350">
+              <a:buFont typeface="+mj-lt"/>
+              <a:buAutoNum type="romanUcPeriod"/>
+            </a:pPr>
+            <a:r>
+              <a:rPr lang="fr-CA" sz="2400" dirty="0"/>
+              <a:t>Conclusion</a:t>
+            </a:r>
+          </a:p>
+          <a:p>
+            <a:pPr marL="971550" lvl="1" indent="-514350">
+              <a:buFont typeface="+mj-lt"/>
+              <a:buAutoNum type="romanUcPeriod"/>
+            </a:pPr>
+            <a:endParaRPr lang="fr-CA" dirty="0"/>
+          </a:p>
+          <a:p>
+            <a:pPr marL="971550" lvl="1" indent="-514350">
+              <a:buFont typeface="+mj-lt"/>
+              <a:buAutoNum type="romanUcPeriod"/>
+            </a:pPr>
+            <a:endParaRPr lang="fr-CA" dirty="0"/>
+          </a:p>
+          <a:p>
+            <a:pPr marL="971550" lvl="1" indent="-514350">
+              <a:buFont typeface="+mj-lt"/>
+              <a:buAutoNum type="romanUcPeriod"/>
+            </a:pPr>
+            <a:endParaRPr lang="fr-CA" dirty="0"/>
+          </a:p>
+          <a:p>
+            <a:pPr marL="971550" lvl="1" indent="-514350">
+              <a:buFont typeface="+mj-lt"/>
+              <a:buAutoNum type="romanUcPeriod"/>
+            </a:pPr>
+            <a:endParaRPr lang="fr-CA" dirty="0"/>
+          </a:p>
+          <a:p>
+            <a:pPr marL="457200" lvl="1" indent="0">
+              <a:buNone/>
+            </a:pPr>
+            <a:endParaRPr lang="fr-CA" dirty="0"/>
+          </a:p>
+          <a:p>
+            <a:pPr marL="457200" lvl="1" indent="0">
+              <a:buNone/>
+            </a:pPr>
+            <a:endParaRPr lang="fr-CA" dirty="0"/>
+          </a:p>
+          <a:p>
+            <a:pPr marL="457200" lvl="1" indent="0">
+              <a:buNone/>
+            </a:pPr>
+            <a:endParaRPr lang="fr-CA" dirty="0"/>
+          </a:p>
+          <a:p>
+            <a:pPr marL="457200" lvl="1" indent="0">
+              <a:buNone/>
+            </a:pPr>
+            <a:endParaRPr lang="fr-CA" dirty="0"/>
+          </a:p>
+          <a:p>
+            <a:pPr marL="514350" indent="-514350">
+              <a:buFont typeface="+mj-lt"/>
+              <a:buAutoNum type="romanUcPeriod"/>
+            </a:pPr>
+            <a:endParaRPr lang="fr-CA" dirty="0"/>
+          </a:p>
+        </p:txBody>
+      </p:sp>
+      <p:sp>
+        <p:nvSpPr>
+          <p:cNvPr id="4" name="Rectangle 3">
+            <a:extLst>
+              <a:ext uri="{FF2B5EF4-FFF2-40B4-BE49-F238E27FC236}">
+                <a16:creationId xmlns:a16="http://schemas.microsoft.com/office/drawing/2014/main" id="{A700668B-5765-4A9B-9B33-DDC0B7F2D7B9}"/>
+              </a:ext>
+            </a:extLst>
+          </p:cNvPr>
+          <p:cNvSpPr/>
+          <p:nvPr/>
+        </p:nvSpPr>
+        <p:spPr>
+          <a:xfrm>
+            <a:off x="201227" y="6139642"/>
+            <a:ext cx="11789546" cy="45719"/>
+          </a:xfrm>
+          <a:prstGeom prst="rect">
+            <a:avLst/>
+          </a:prstGeom>
+          <a:solidFill>
+            <a:srgbClr val="C00000"/>
+          </a:solidFill>
+          <a:ln>
+            <a:solidFill>
+              <a:srgbClr val="C00000"/>
+            </a:solidFill>
+          </a:ln>
+        </p:spPr>
+        <p:style>
+          <a:lnRef idx="2">
+            <a:schemeClr val="accent1">
+              <a:shade val="50000"/>
+            </a:schemeClr>
+          </a:lnRef>
+          <a:fillRef idx="1">
+            <a:schemeClr val="accent1"/>
+          </a:fillRef>
+          <a:effectRef idx="0">
+            <a:schemeClr val="accent1"/>
+          </a:effectRef>
+          <a:fontRef idx="minor">
+            <a:schemeClr val="lt1"/>
+          </a:fontRef>
+        </p:style>
+        <p:txBody>
+          <a:bodyPr rtlCol="0" anchor="ctr"/>
+          <a:lstStyle/>
+          <a:p>
+            <a:pPr algn="ctr"/>
             <a:endParaRPr lang="fr-CA"/>
           </a:p>
         </p:txBody>
       </p:sp>
+      <p:pic>
+        <p:nvPicPr>
+          <p:cNvPr id="5" name="Image 4">
+            <a:extLst>
+              <a:ext uri="{FF2B5EF4-FFF2-40B4-BE49-F238E27FC236}">
+                <a16:creationId xmlns:a16="http://schemas.microsoft.com/office/drawing/2014/main" id="{56FDF607-9D1A-4DD4-B9E2-555138AE978C}"/>
+              </a:ext>
+            </a:extLst>
+          </p:cNvPr>
+          <p:cNvPicPr>
+            <a:picLocks noChangeAspect="1"/>
+          </p:cNvPicPr>
+          <p:nvPr/>
+        </p:nvPicPr>
+        <p:blipFill>
+          <a:blip r:embed="rId2" cstate="print">
+            <a:extLst>
+              <a:ext uri="{28A0092B-C50C-407E-A947-70E740481C1C}">
+                <a14:useLocalDpi xmlns:a14="http://schemas.microsoft.com/office/drawing/2010/main" val="0"/>
+              </a:ext>
+            </a:extLst>
+          </a:blip>
+          <a:stretch>
+            <a:fillRect/>
+          </a:stretch>
+        </p:blipFill>
+        <p:spPr>
+          <a:xfrm>
+            <a:off x="417251" y="6268564"/>
+            <a:ext cx="1118586" cy="485886"/>
+          </a:xfrm>
+          <a:prstGeom prst="rect">
+            <a:avLst/>
+          </a:prstGeom>
+        </p:spPr>
+      </p:pic>
     </p:spTree>
     <p:extLst>
       <p:ext uri="{BB962C8B-B14F-4D97-AF65-F5344CB8AC3E}">
-        <p14:creationId xmlns:p14="http://schemas.microsoft.com/office/powerpoint/2010/main" val="2073183514"/>
+        <p14:creationId xmlns:p14="http://schemas.microsoft.com/office/powerpoint/2010/main" val="1618060408"/>
+      </p:ext>
+    </p:extLst>
+  </p:cSld>
+  <p:clrMapOvr>
+    <a:masterClrMapping/>
+  </p:clrMapOvr>
+</p:sld>
+</file>
+
+<file path=ppt/slides/slide3.xml><?xml version="1.0" encoding="utf-8"?>
+<p:sld xmlns:a="http://schemas.openxmlformats.org/drawingml/2006/main" xmlns:r="http://schemas.openxmlformats.org/officeDocument/2006/relationships" xmlns:p="http://schemas.openxmlformats.org/presentationml/2006/main">
+  <p:cSld>
+    <p:spTree>
+      <p:nvGrpSpPr>
+        <p:cNvPr id="1" name=""/>
+        <p:cNvGrpSpPr/>
+        <p:nvPr/>
+      </p:nvGrpSpPr>
+      <p:grpSpPr>
+        <a:xfrm>
+          <a:off x="0" y="0"/>
+          <a:ext cx="0" cy="0"/>
+          <a:chOff x="0" y="0"/>
+          <a:chExt cx="0" cy="0"/>
+        </a:xfrm>
+      </p:grpSpPr>
+      <p:sp>
+        <p:nvSpPr>
+          <p:cNvPr id="2" name="Titre 1">
+            <a:extLst>
+              <a:ext uri="{FF2B5EF4-FFF2-40B4-BE49-F238E27FC236}">
+                <a16:creationId xmlns:a16="http://schemas.microsoft.com/office/drawing/2014/main" id="{B822D6DF-B341-458B-ABD2-EE62C905D4B9}"/>
+              </a:ext>
+            </a:extLst>
+          </p:cNvPr>
+          <p:cNvSpPr>
+            <a:spLocks noGrp="1"/>
+          </p:cNvSpPr>
+          <p:nvPr>
+            <p:ph type="title"/>
+          </p:nvPr>
+        </p:nvSpPr>
+        <p:spPr>
+          <a:xfrm>
+            <a:off x="201227" y="9857"/>
+            <a:ext cx="10515600" cy="1325563"/>
+          </a:xfrm>
+        </p:spPr>
+        <p:txBody>
+          <a:bodyPr>
+            <a:normAutofit/>
+          </a:bodyPr>
+          <a:lstStyle/>
+          <a:p>
+            <a:r>
+              <a:rPr lang="fr-CA" sz="4000" dirty="0"/>
+              <a:t>Introduction </a:t>
+            </a:r>
+          </a:p>
+        </p:txBody>
+      </p:sp>
+      <p:sp>
+        <p:nvSpPr>
+          <p:cNvPr id="3" name="Espace réservé du contenu 2">
+            <a:extLst>
+              <a:ext uri="{FF2B5EF4-FFF2-40B4-BE49-F238E27FC236}">
+                <a16:creationId xmlns:a16="http://schemas.microsoft.com/office/drawing/2014/main" id="{9689DC6D-2E04-48D2-86D9-405214D5382C}"/>
+              </a:ext>
+            </a:extLst>
+          </p:cNvPr>
+          <p:cNvSpPr>
+            <a:spLocks noGrp="1"/>
+          </p:cNvSpPr>
+          <p:nvPr>
+            <p:ph idx="1"/>
+          </p:nvPr>
+        </p:nvSpPr>
+        <p:spPr>
+          <a:xfrm>
+            <a:off x="838200" y="2194113"/>
+            <a:ext cx="10515600" cy="3752595"/>
+          </a:xfrm>
+        </p:spPr>
+        <p:txBody>
+          <a:bodyPr>
+            <a:normAutofit/>
+          </a:bodyPr>
+          <a:lstStyle/>
+          <a:p>
+            <a:pPr marL="971550" lvl="1" indent="-514350">
+              <a:buFont typeface="+mj-lt"/>
+              <a:buAutoNum type="romanUcPeriod"/>
+            </a:pPr>
+            <a:endParaRPr lang="fr-CA" dirty="0"/>
+          </a:p>
+          <a:p>
+            <a:pPr marL="971550" lvl="1" indent="-514350">
+              <a:buFont typeface="+mj-lt"/>
+              <a:buAutoNum type="romanUcPeriod"/>
+            </a:pPr>
+            <a:endParaRPr lang="fr-CA" dirty="0"/>
+          </a:p>
+          <a:p>
+            <a:pPr marL="971550" lvl="1" indent="-514350">
+              <a:buFont typeface="+mj-lt"/>
+              <a:buAutoNum type="romanUcPeriod"/>
+            </a:pPr>
+            <a:endParaRPr lang="fr-CA" dirty="0"/>
+          </a:p>
+          <a:p>
+            <a:pPr marL="971550" lvl="1" indent="-514350">
+              <a:buFont typeface="+mj-lt"/>
+              <a:buAutoNum type="romanUcPeriod"/>
+            </a:pPr>
+            <a:endParaRPr lang="fr-CA" dirty="0"/>
+          </a:p>
+          <a:p>
+            <a:pPr marL="457200" lvl="1" indent="0">
+              <a:buNone/>
+            </a:pPr>
+            <a:endParaRPr lang="fr-CA" dirty="0"/>
+          </a:p>
+          <a:p>
+            <a:pPr marL="457200" lvl="1" indent="0">
+              <a:buNone/>
+            </a:pPr>
+            <a:endParaRPr lang="fr-CA" dirty="0"/>
+          </a:p>
+          <a:p>
+            <a:pPr marL="457200" lvl="1" indent="0">
+              <a:buNone/>
+            </a:pPr>
+            <a:endParaRPr lang="fr-CA" dirty="0"/>
+          </a:p>
+          <a:p>
+            <a:pPr marL="457200" lvl="1" indent="0">
+              <a:buNone/>
+            </a:pPr>
+            <a:endParaRPr lang="fr-CA" dirty="0"/>
+          </a:p>
+          <a:p>
+            <a:pPr marL="514350" indent="-514350">
+              <a:buFont typeface="+mj-lt"/>
+              <a:buAutoNum type="romanUcPeriod"/>
+            </a:pPr>
+            <a:endParaRPr lang="fr-CA" dirty="0"/>
+          </a:p>
+        </p:txBody>
+      </p:sp>
+      <p:sp>
+        <p:nvSpPr>
+          <p:cNvPr id="4" name="Rectangle 3">
+            <a:extLst>
+              <a:ext uri="{FF2B5EF4-FFF2-40B4-BE49-F238E27FC236}">
+                <a16:creationId xmlns:a16="http://schemas.microsoft.com/office/drawing/2014/main" id="{A700668B-5765-4A9B-9B33-DDC0B7F2D7B9}"/>
+              </a:ext>
+            </a:extLst>
+          </p:cNvPr>
+          <p:cNvSpPr/>
+          <p:nvPr/>
+        </p:nvSpPr>
+        <p:spPr>
+          <a:xfrm>
+            <a:off x="201227" y="6139642"/>
+            <a:ext cx="11789546" cy="45719"/>
+          </a:xfrm>
+          <a:prstGeom prst="rect">
+            <a:avLst/>
+          </a:prstGeom>
+          <a:solidFill>
+            <a:srgbClr val="C00000"/>
+          </a:solidFill>
+          <a:ln>
+            <a:solidFill>
+              <a:srgbClr val="C00000"/>
+            </a:solidFill>
+          </a:ln>
+        </p:spPr>
+        <p:style>
+          <a:lnRef idx="2">
+            <a:schemeClr val="accent1">
+              <a:shade val="50000"/>
+            </a:schemeClr>
+          </a:lnRef>
+          <a:fillRef idx="1">
+            <a:schemeClr val="accent1"/>
+          </a:fillRef>
+          <a:effectRef idx="0">
+            <a:schemeClr val="accent1"/>
+          </a:effectRef>
+          <a:fontRef idx="minor">
+            <a:schemeClr val="lt1"/>
+          </a:fontRef>
+        </p:style>
+        <p:txBody>
+          <a:bodyPr rtlCol="0" anchor="ctr"/>
+          <a:lstStyle/>
+          <a:p>
+            <a:pPr algn="ctr"/>
+            <a:endParaRPr lang="fr-CA"/>
+          </a:p>
+        </p:txBody>
+      </p:sp>
+      <p:pic>
+        <p:nvPicPr>
+          <p:cNvPr id="5" name="Image 4">
+            <a:extLst>
+              <a:ext uri="{FF2B5EF4-FFF2-40B4-BE49-F238E27FC236}">
+                <a16:creationId xmlns:a16="http://schemas.microsoft.com/office/drawing/2014/main" id="{56FDF607-9D1A-4DD4-B9E2-555138AE978C}"/>
+              </a:ext>
+            </a:extLst>
+          </p:cNvPr>
+          <p:cNvPicPr>
+            <a:picLocks noChangeAspect="1"/>
+          </p:cNvPicPr>
+          <p:nvPr/>
+        </p:nvPicPr>
+        <p:blipFill>
+          <a:blip r:embed="rId2" cstate="print">
+            <a:extLst>
+              <a:ext uri="{28A0092B-C50C-407E-A947-70E740481C1C}">
+                <a14:useLocalDpi xmlns:a14="http://schemas.microsoft.com/office/drawing/2010/main" val="0"/>
+              </a:ext>
+            </a:extLst>
+          </a:blip>
+          <a:stretch>
+            <a:fillRect/>
+          </a:stretch>
+        </p:blipFill>
+        <p:spPr>
+          <a:xfrm>
+            <a:off x="417251" y="6268564"/>
+            <a:ext cx="1118586" cy="485886"/>
+          </a:xfrm>
+          <a:prstGeom prst="rect">
+            <a:avLst/>
+          </a:prstGeom>
+        </p:spPr>
+      </p:pic>
+      <p:sp>
+        <p:nvSpPr>
+          <p:cNvPr id="6" name="ZoneTexte 5">
+            <a:extLst>
+              <a:ext uri="{FF2B5EF4-FFF2-40B4-BE49-F238E27FC236}">
+                <a16:creationId xmlns:a16="http://schemas.microsoft.com/office/drawing/2014/main" id="{428EE206-1AE2-4365-950A-04444E94D89C}"/>
+              </a:ext>
+            </a:extLst>
+          </p:cNvPr>
+          <p:cNvSpPr txBox="1"/>
+          <p:nvPr/>
+        </p:nvSpPr>
+        <p:spPr>
+          <a:xfrm>
+            <a:off x="11353800" y="6357618"/>
+            <a:ext cx="648070" cy="307777"/>
+          </a:xfrm>
+          <a:prstGeom prst="rect">
+            <a:avLst/>
+          </a:prstGeom>
+          <a:noFill/>
+        </p:spPr>
+        <p:txBody>
+          <a:bodyPr wrap="square" rtlCol="0">
+            <a:spAutoFit/>
+          </a:bodyPr>
+          <a:lstStyle/>
+          <a:p>
+            <a:r>
+              <a:rPr lang="fr-CA" sz="1400" dirty="0"/>
+              <a:t>1/16</a:t>
+            </a:r>
+          </a:p>
+        </p:txBody>
+      </p:sp>
+      <p:cxnSp>
+        <p:nvCxnSpPr>
+          <p:cNvPr id="9" name="Connecteur droit 8">
+            <a:extLst>
+              <a:ext uri="{FF2B5EF4-FFF2-40B4-BE49-F238E27FC236}">
+                <a16:creationId xmlns:a16="http://schemas.microsoft.com/office/drawing/2014/main" id="{0861B5AC-6EB0-4312-AF3B-944271213719}"/>
+              </a:ext>
+            </a:extLst>
+          </p:cNvPr>
+          <p:cNvCxnSpPr>
+            <a:cxnSpLocks/>
+          </p:cNvCxnSpPr>
+          <p:nvPr/>
+        </p:nvCxnSpPr>
+        <p:spPr>
+          <a:xfrm>
+            <a:off x="201227" y="1003176"/>
+            <a:ext cx="11789546" cy="0"/>
+          </a:xfrm>
+          <a:prstGeom prst="line">
+            <a:avLst/>
+          </a:prstGeom>
+          <a:ln w="19050">
+            <a:solidFill>
+              <a:srgbClr val="C00000"/>
+            </a:solidFill>
+          </a:ln>
+        </p:spPr>
+        <p:style>
+          <a:lnRef idx="1">
+            <a:schemeClr val="accent1"/>
+          </a:lnRef>
+          <a:fillRef idx="0">
+            <a:schemeClr val="accent1"/>
+          </a:fillRef>
+          <a:effectRef idx="0">
+            <a:schemeClr val="accent1"/>
+          </a:effectRef>
+          <a:fontRef idx="minor">
+            <a:schemeClr val="tx1"/>
+          </a:fontRef>
+        </p:style>
+      </p:cxnSp>
+    </p:spTree>
+    <p:extLst>
+      <p:ext uri="{BB962C8B-B14F-4D97-AF65-F5344CB8AC3E}">
+        <p14:creationId xmlns:p14="http://schemas.microsoft.com/office/powerpoint/2010/main" val="3468658299"/>
+      </p:ext>
+    </p:extLst>
+  </p:cSld>
+  <p:clrMapOvr>
+    <a:masterClrMapping/>
+  </p:clrMapOvr>
+</p:sld>
+</file>
+
+<file path=ppt/slides/slide4.xml><?xml version="1.0" encoding="utf-8"?>
+<p:sld xmlns:a="http://schemas.openxmlformats.org/drawingml/2006/main" xmlns:r="http://schemas.openxmlformats.org/officeDocument/2006/relationships" xmlns:p="http://schemas.openxmlformats.org/presentationml/2006/main">
+  <p:cSld>
+    <p:spTree>
+      <p:nvGrpSpPr>
+        <p:cNvPr id="1" name=""/>
+        <p:cNvGrpSpPr/>
+        <p:nvPr/>
+      </p:nvGrpSpPr>
+      <p:grpSpPr>
+        <a:xfrm>
+          <a:off x="0" y="0"/>
+          <a:ext cx="0" cy="0"/>
+          <a:chOff x="0" y="0"/>
+          <a:chExt cx="0" cy="0"/>
+        </a:xfrm>
+      </p:grpSpPr>
+      <p:sp>
+        <p:nvSpPr>
+          <p:cNvPr id="2" name="Titre 1">
+            <a:extLst>
+              <a:ext uri="{FF2B5EF4-FFF2-40B4-BE49-F238E27FC236}">
+                <a16:creationId xmlns:a16="http://schemas.microsoft.com/office/drawing/2014/main" id="{B822D6DF-B341-458B-ABD2-EE62C905D4B9}"/>
+              </a:ext>
+            </a:extLst>
+          </p:cNvPr>
+          <p:cNvSpPr>
+            <a:spLocks noGrp="1"/>
+          </p:cNvSpPr>
+          <p:nvPr>
+            <p:ph type="title"/>
+          </p:nvPr>
+        </p:nvSpPr>
+        <p:spPr>
+          <a:xfrm>
+            <a:off x="201227" y="9857"/>
+            <a:ext cx="10515600" cy="1325563"/>
+          </a:xfrm>
+        </p:spPr>
+        <p:txBody>
+          <a:bodyPr>
+            <a:normAutofit/>
+          </a:bodyPr>
+          <a:lstStyle/>
+          <a:p>
+            <a:r>
+              <a:rPr lang="fr-CA" sz="4000" dirty="0"/>
+              <a:t>Contexte théorique </a:t>
+            </a:r>
+          </a:p>
+        </p:txBody>
+      </p:sp>
+      <p:sp>
+        <p:nvSpPr>
+          <p:cNvPr id="4" name="Rectangle 3">
+            <a:extLst>
+              <a:ext uri="{FF2B5EF4-FFF2-40B4-BE49-F238E27FC236}">
+                <a16:creationId xmlns:a16="http://schemas.microsoft.com/office/drawing/2014/main" id="{A700668B-5765-4A9B-9B33-DDC0B7F2D7B9}"/>
+              </a:ext>
+            </a:extLst>
+          </p:cNvPr>
+          <p:cNvSpPr/>
+          <p:nvPr/>
+        </p:nvSpPr>
+        <p:spPr>
+          <a:xfrm>
+            <a:off x="201227" y="6139642"/>
+            <a:ext cx="11789546" cy="45719"/>
+          </a:xfrm>
+          <a:prstGeom prst="rect">
+            <a:avLst/>
+          </a:prstGeom>
+          <a:solidFill>
+            <a:srgbClr val="C00000"/>
+          </a:solidFill>
+          <a:ln>
+            <a:solidFill>
+              <a:srgbClr val="C00000"/>
+            </a:solidFill>
+          </a:ln>
+        </p:spPr>
+        <p:style>
+          <a:lnRef idx="2">
+            <a:schemeClr val="accent1">
+              <a:shade val="50000"/>
+            </a:schemeClr>
+          </a:lnRef>
+          <a:fillRef idx="1">
+            <a:schemeClr val="accent1"/>
+          </a:fillRef>
+          <a:effectRef idx="0">
+            <a:schemeClr val="accent1"/>
+          </a:effectRef>
+          <a:fontRef idx="minor">
+            <a:schemeClr val="lt1"/>
+          </a:fontRef>
+        </p:style>
+        <p:txBody>
+          <a:bodyPr rtlCol="0" anchor="ctr"/>
+          <a:lstStyle/>
+          <a:p>
+            <a:pPr algn="ctr"/>
+            <a:endParaRPr lang="fr-CA"/>
+          </a:p>
+        </p:txBody>
+      </p:sp>
+      <p:pic>
+        <p:nvPicPr>
+          <p:cNvPr id="5" name="Image 4">
+            <a:extLst>
+              <a:ext uri="{FF2B5EF4-FFF2-40B4-BE49-F238E27FC236}">
+                <a16:creationId xmlns:a16="http://schemas.microsoft.com/office/drawing/2014/main" id="{56FDF607-9D1A-4DD4-B9E2-555138AE978C}"/>
+              </a:ext>
+            </a:extLst>
+          </p:cNvPr>
+          <p:cNvPicPr>
+            <a:picLocks noChangeAspect="1"/>
+          </p:cNvPicPr>
+          <p:nvPr/>
+        </p:nvPicPr>
+        <p:blipFill>
+          <a:blip r:embed="rId2" cstate="print">
+            <a:extLst>
+              <a:ext uri="{28A0092B-C50C-407E-A947-70E740481C1C}">
+                <a14:useLocalDpi xmlns:a14="http://schemas.microsoft.com/office/drawing/2010/main" val="0"/>
+              </a:ext>
+            </a:extLst>
+          </a:blip>
+          <a:stretch>
+            <a:fillRect/>
+          </a:stretch>
+        </p:blipFill>
+        <p:spPr>
+          <a:xfrm>
+            <a:off x="417251" y="6268564"/>
+            <a:ext cx="1118586" cy="485886"/>
+          </a:xfrm>
+          <a:prstGeom prst="rect">
+            <a:avLst/>
+          </a:prstGeom>
+        </p:spPr>
+      </p:pic>
+      <p:sp>
+        <p:nvSpPr>
+          <p:cNvPr id="6" name="ZoneTexte 5">
+            <a:extLst>
+              <a:ext uri="{FF2B5EF4-FFF2-40B4-BE49-F238E27FC236}">
+                <a16:creationId xmlns:a16="http://schemas.microsoft.com/office/drawing/2014/main" id="{428EE206-1AE2-4365-950A-04444E94D89C}"/>
+              </a:ext>
+            </a:extLst>
+          </p:cNvPr>
+          <p:cNvSpPr txBox="1"/>
+          <p:nvPr/>
+        </p:nvSpPr>
+        <p:spPr>
+          <a:xfrm>
+            <a:off x="11353800" y="6357619"/>
+            <a:ext cx="648070" cy="307777"/>
+          </a:xfrm>
+          <a:prstGeom prst="rect">
+            <a:avLst/>
+          </a:prstGeom>
+          <a:noFill/>
+        </p:spPr>
+        <p:txBody>
+          <a:bodyPr wrap="square" rtlCol="0">
+            <a:spAutoFit/>
+          </a:bodyPr>
+          <a:lstStyle/>
+          <a:p>
+            <a:r>
+              <a:rPr lang="fr-CA" sz="1400" dirty="0"/>
+              <a:t>2/16</a:t>
+            </a:r>
+          </a:p>
+        </p:txBody>
+      </p:sp>
+      <p:cxnSp>
+        <p:nvCxnSpPr>
+          <p:cNvPr id="9" name="Connecteur droit 8">
+            <a:extLst>
+              <a:ext uri="{FF2B5EF4-FFF2-40B4-BE49-F238E27FC236}">
+                <a16:creationId xmlns:a16="http://schemas.microsoft.com/office/drawing/2014/main" id="{0861B5AC-6EB0-4312-AF3B-944271213719}"/>
+              </a:ext>
+            </a:extLst>
+          </p:cNvPr>
+          <p:cNvCxnSpPr>
+            <a:cxnSpLocks/>
+          </p:cNvCxnSpPr>
+          <p:nvPr/>
+        </p:nvCxnSpPr>
+        <p:spPr>
+          <a:xfrm>
+            <a:off x="201227" y="1003176"/>
+            <a:ext cx="11789546" cy="0"/>
+          </a:xfrm>
+          <a:prstGeom prst="line">
+            <a:avLst/>
+          </a:prstGeom>
+          <a:ln w="19050">
+            <a:solidFill>
+              <a:srgbClr val="C00000"/>
+            </a:solidFill>
+          </a:ln>
+        </p:spPr>
+        <p:style>
+          <a:lnRef idx="1">
+            <a:schemeClr val="accent1"/>
+          </a:lnRef>
+          <a:fillRef idx="0">
+            <a:schemeClr val="accent1"/>
+          </a:fillRef>
+          <a:effectRef idx="0">
+            <a:schemeClr val="accent1"/>
+          </a:effectRef>
+          <a:fontRef idx="minor">
+            <a:schemeClr val="tx1"/>
+          </a:fontRef>
+        </p:style>
+      </p:cxnSp>
+    </p:spTree>
+    <p:extLst>
+      <p:ext uri="{BB962C8B-B14F-4D97-AF65-F5344CB8AC3E}">
+        <p14:creationId xmlns:p14="http://schemas.microsoft.com/office/powerpoint/2010/main" val="105876424"/>
+      </p:ext>
+    </p:extLst>
+  </p:cSld>
+  <p:clrMapOvr>
+    <a:masterClrMapping/>
+  </p:clrMapOvr>
+</p:sld>
+</file>
+
+<file path=ppt/slides/slide5.xml><?xml version="1.0" encoding="utf-8"?>
+<p:sld xmlns:a="http://schemas.openxmlformats.org/drawingml/2006/main" xmlns:r="http://schemas.openxmlformats.org/officeDocument/2006/relationships" xmlns:p="http://schemas.openxmlformats.org/presentationml/2006/main">
+  <p:cSld>
+    <p:spTree>
+      <p:nvGrpSpPr>
+        <p:cNvPr id="1" name=""/>
+        <p:cNvGrpSpPr/>
+        <p:nvPr/>
+      </p:nvGrpSpPr>
+      <p:grpSpPr>
+        <a:xfrm>
+          <a:off x="0" y="0"/>
+          <a:ext cx="0" cy="0"/>
+          <a:chOff x="0" y="0"/>
+          <a:chExt cx="0" cy="0"/>
+        </a:xfrm>
+      </p:grpSpPr>
+      <p:sp>
+        <p:nvSpPr>
+          <p:cNvPr id="2" name="Titre 1">
+            <a:extLst>
+              <a:ext uri="{FF2B5EF4-FFF2-40B4-BE49-F238E27FC236}">
+                <a16:creationId xmlns:a16="http://schemas.microsoft.com/office/drawing/2014/main" id="{B822D6DF-B341-458B-ABD2-EE62C905D4B9}"/>
+              </a:ext>
+            </a:extLst>
+          </p:cNvPr>
+          <p:cNvSpPr>
+            <a:spLocks noGrp="1"/>
+          </p:cNvSpPr>
+          <p:nvPr>
+            <p:ph type="title"/>
+          </p:nvPr>
+        </p:nvSpPr>
+        <p:spPr>
+          <a:xfrm>
+            <a:off x="201227" y="9857"/>
+            <a:ext cx="10515600" cy="1325563"/>
+          </a:xfrm>
+        </p:spPr>
+        <p:txBody>
+          <a:bodyPr>
+            <a:normAutofit/>
+          </a:bodyPr>
+          <a:lstStyle/>
+          <a:p>
+            <a:r>
+              <a:rPr lang="fr-CA" sz="4000" dirty="0"/>
+              <a:t>Conclusion </a:t>
+            </a:r>
+          </a:p>
+        </p:txBody>
+      </p:sp>
+      <p:sp>
+        <p:nvSpPr>
+          <p:cNvPr id="4" name="Rectangle 3">
+            <a:extLst>
+              <a:ext uri="{FF2B5EF4-FFF2-40B4-BE49-F238E27FC236}">
+                <a16:creationId xmlns:a16="http://schemas.microsoft.com/office/drawing/2014/main" id="{A700668B-5765-4A9B-9B33-DDC0B7F2D7B9}"/>
+              </a:ext>
+            </a:extLst>
+          </p:cNvPr>
+          <p:cNvSpPr/>
+          <p:nvPr/>
+        </p:nvSpPr>
+        <p:spPr>
+          <a:xfrm>
+            <a:off x="201227" y="6139642"/>
+            <a:ext cx="11789546" cy="45719"/>
+          </a:xfrm>
+          <a:prstGeom prst="rect">
+            <a:avLst/>
+          </a:prstGeom>
+          <a:solidFill>
+            <a:srgbClr val="C00000"/>
+          </a:solidFill>
+          <a:ln>
+            <a:solidFill>
+              <a:srgbClr val="C00000"/>
+            </a:solidFill>
+          </a:ln>
+        </p:spPr>
+        <p:style>
+          <a:lnRef idx="2">
+            <a:schemeClr val="accent1">
+              <a:shade val="50000"/>
+            </a:schemeClr>
+          </a:lnRef>
+          <a:fillRef idx="1">
+            <a:schemeClr val="accent1"/>
+          </a:fillRef>
+          <a:effectRef idx="0">
+            <a:schemeClr val="accent1"/>
+          </a:effectRef>
+          <a:fontRef idx="minor">
+            <a:schemeClr val="lt1"/>
+          </a:fontRef>
+        </p:style>
+        <p:txBody>
+          <a:bodyPr rtlCol="0" anchor="ctr"/>
+          <a:lstStyle/>
+          <a:p>
+            <a:pPr algn="ctr"/>
+            <a:endParaRPr lang="fr-CA"/>
+          </a:p>
+        </p:txBody>
+      </p:sp>
+      <p:pic>
+        <p:nvPicPr>
+          <p:cNvPr id="5" name="Image 4">
+            <a:extLst>
+              <a:ext uri="{FF2B5EF4-FFF2-40B4-BE49-F238E27FC236}">
+                <a16:creationId xmlns:a16="http://schemas.microsoft.com/office/drawing/2014/main" id="{56FDF607-9D1A-4DD4-B9E2-555138AE978C}"/>
+              </a:ext>
+            </a:extLst>
+          </p:cNvPr>
+          <p:cNvPicPr>
+            <a:picLocks noChangeAspect="1"/>
+          </p:cNvPicPr>
+          <p:nvPr/>
+        </p:nvPicPr>
+        <p:blipFill>
+          <a:blip r:embed="rId2" cstate="print">
+            <a:extLst>
+              <a:ext uri="{28A0092B-C50C-407E-A947-70E740481C1C}">
+                <a14:useLocalDpi xmlns:a14="http://schemas.microsoft.com/office/drawing/2010/main" val="0"/>
+              </a:ext>
+            </a:extLst>
+          </a:blip>
+          <a:stretch>
+            <a:fillRect/>
+          </a:stretch>
+        </p:blipFill>
+        <p:spPr>
+          <a:xfrm>
+            <a:off x="417251" y="6268564"/>
+            <a:ext cx="1118586" cy="485886"/>
+          </a:xfrm>
+          <a:prstGeom prst="rect">
+            <a:avLst/>
+          </a:prstGeom>
+        </p:spPr>
+      </p:pic>
+      <p:sp>
+        <p:nvSpPr>
+          <p:cNvPr id="6" name="ZoneTexte 5">
+            <a:extLst>
+              <a:ext uri="{FF2B5EF4-FFF2-40B4-BE49-F238E27FC236}">
+                <a16:creationId xmlns:a16="http://schemas.microsoft.com/office/drawing/2014/main" id="{428EE206-1AE2-4365-950A-04444E94D89C}"/>
+              </a:ext>
+            </a:extLst>
+          </p:cNvPr>
+          <p:cNvSpPr txBox="1"/>
+          <p:nvPr/>
+        </p:nvSpPr>
+        <p:spPr>
+          <a:xfrm>
+            <a:off x="11353800" y="6357619"/>
+            <a:ext cx="648070" cy="307777"/>
+          </a:xfrm>
+          <a:prstGeom prst="rect">
+            <a:avLst/>
+          </a:prstGeom>
+          <a:noFill/>
+        </p:spPr>
+        <p:txBody>
+          <a:bodyPr wrap="square" rtlCol="0">
+            <a:spAutoFit/>
+          </a:bodyPr>
+          <a:lstStyle/>
+          <a:p>
+            <a:r>
+              <a:rPr lang="fr-CA" sz="1400" dirty="0"/>
+              <a:t>15/16</a:t>
+            </a:r>
+          </a:p>
+        </p:txBody>
+      </p:sp>
+      <p:cxnSp>
+        <p:nvCxnSpPr>
+          <p:cNvPr id="9" name="Connecteur droit 8">
+            <a:extLst>
+              <a:ext uri="{FF2B5EF4-FFF2-40B4-BE49-F238E27FC236}">
+                <a16:creationId xmlns:a16="http://schemas.microsoft.com/office/drawing/2014/main" id="{0861B5AC-6EB0-4312-AF3B-944271213719}"/>
+              </a:ext>
+            </a:extLst>
+          </p:cNvPr>
+          <p:cNvCxnSpPr>
+            <a:cxnSpLocks/>
+          </p:cNvCxnSpPr>
+          <p:nvPr/>
+        </p:nvCxnSpPr>
+        <p:spPr>
+          <a:xfrm>
+            <a:off x="201227" y="1003176"/>
+            <a:ext cx="11789546" cy="0"/>
+          </a:xfrm>
+          <a:prstGeom prst="line">
+            <a:avLst/>
+          </a:prstGeom>
+          <a:ln w="19050">
+            <a:solidFill>
+              <a:srgbClr val="C00000"/>
+            </a:solidFill>
+          </a:ln>
+        </p:spPr>
+        <p:style>
+          <a:lnRef idx="1">
+            <a:schemeClr val="accent1"/>
+          </a:lnRef>
+          <a:fillRef idx="0">
+            <a:schemeClr val="accent1"/>
+          </a:fillRef>
+          <a:effectRef idx="0">
+            <a:schemeClr val="accent1"/>
+          </a:effectRef>
+          <a:fontRef idx="minor">
+            <a:schemeClr val="tx1"/>
+          </a:fontRef>
+        </p:style>
+      </p:cxnSp>
+    </p:spTree>
+    <p:extLst>
+      <p:ext uri="{BB962C8B-B14F-4D97-AF65-F5344CB8AC3E}">
+        <p14:creationId xmlns:p14="http://schemas.microsoft.com/office/powerpoint/2010/main" val="13712848"/>
+      </p:ext>
+    </p:extLst>
+  </p:cSld>
+  <p:clrMapOvr>
+    <a:masterClrMapping/>
+  </p:clrMapOvr>
+</p:sld>
+</file>
+
+<file path=ppt/slides/slide6.xml><?xml version="1.0" encoding="utf-8"?>
+<p:sld xmlns:a="http://schemas.openxmlformats.org/drawingml/2006/main" xmlns:r="http://schemas.openxmlformats.org/officeDocument/2006/relationships" xmlns:p="http://schemas.openxmlformats.org/presentationml/2006/main">
+  <p:cSld>
+    <p:spTree>
+      <p:nvGrpSpPr>
+        <p:cNvPr id="1" name=""/>
+        <p:cNvGrpSpPr/>
+        <p:nvPr/>
+      </p:nvGrpSpPr>
+      <p:grpSpPr>
+        <a:xfrm>
+          <a:off x="0" y="0"/>
+          <a:ext cx="0" cy="0"/>
+          <a:chOff x="0" y="0"/>
+          <a:chExt cx="0" cy="0"/>
+        </a:xfrm>
+      </p:grpSpPr>
+      <p:sp>
+        <p:nvSpPr>
+          <p:cNvPr id="2" name="Titre 1">
+            <a:extLst>
+              <a:ext uri="{FF2B5EF4-FFF2-40B4-BE49-F238E27FC236}">
+                <a16:creationId xmlns:a16="http://schemas.microsoft.com/office/drawing/2014/main" id="{B822D6DF-B341-458B-ABD2-EE62C905D4B9}"/>
+              </a:ext>
+            </a:extLst>
+          </p:cNvPr>
+          <p:cNvSpPr>
+            <a:spLocks noGrp="1"/>
+          </p:cNvSpPr>
+          <p:nvPr>
+            <p:ph type="title"/>
+          </p:nvPr>
+        </p:nvSpPr>
+        <p:spPr>
+          <a:xfrm>
+            <a:off x="201227" y="9857"/>
+            <a:ext cx="10515600" cy="1325563"/>
+          </a:xfrm>
+        </p:spPr>
+        <p:txBody>
+          <a:bodyPr>
+            <a:normAutofit/>
+          </a:bodyPr>
+          <a:lstStyle/>
+          <a:p>
+            <a:r>
+              <a:rPr lang="fr-CA" sz="4000" dirty="0"/>
+              <a:t>Références </a:t>
+            </a:r>
+          </a:p>
+        </p:txBody>
+      </p:sp>
+      <p:sp>
+        <p:nvSpPr>
+          <p:cNvPr id="4" name="Rectangle 3">
+            <a:extLst>
+              <a:ext uri="{FF2B5EF4-FFF2-40B4-BE49-F238E27FC236}">
+                <a16:creationId xmlns:a16="http://schemas.microsoft.com/office/drawing/2014/main" id="{A700668B-5765-4A9B-9B33-DDC0B7F2D7B9}"/>
+              </a:ext>
+            </a:extLst>
+          </p:cNvPr>
+          <p:cNvSpPr/>
+          <p:nvPr/>
+        </p:nvSpPr>
+        <p:spPr>
+          <a:xfrm>
+            <a:off x="201227" y="6139642"/>
+            <a:ext cx="11789546" cy="45719"/>
+          </a:xfrm>
+          <a:prstGeom prst="rect">
+            <a:avLst/>
+          </a:prstGeom>
+          <a:solidFill>
+            <a:srgbClr val="C00000"/>
+          </a:solidFill>
+          <a:ln>
+            <a:solidFill>
+              <a:srgbClr val="C00000"/>
+            </a:solidFill>
+          </a:ln>
+        </p:spPr>
+        <p:style>
+          <a:lnRef idx="2">
+            <a:schemeClr val="accent1">
+              <a:shade val="50000"/>
+            </a:schemeClr>
+          </a:lnRef>
+          <a:fillRef idx="1">
+            <a:schemeClr val="accent1"/>
+          </a:fillRef>
+          <a:effectRef idx="0">
+            <a:schemeClr val="accent1"/>
+          </a:effectRef>
+          <a:fontRef idx="minor">
+            <a:schemeClr val="lt1"/>
+          </a:fontRef>
+        </p:style>
+        <p:txBody>
+          <a:bodyPr rtlCol="0" anchor="ctr"/>
+          <a:lstStyle/>
+          <a:p>
+            <a:pPr algn="ctr"/>
+            <a:endParaRPr lang="fr-CA"/>
+          </a:p>
+        </p:txBody>
+      </p:sp>
+      <p:pic>
+        <p:nvPicPr>
+          <p:cNvPr id="5" name="Image 4">
+            <a:extLst>
+              <a:ext uri="{FF2B5EF4-FFF2-40B4-BE49-F238E27FC236}">
+                <a16:creationId xmlns:a16="http://schemas.microsoft.com/office/drawing/2014/main" id="{56FDF607-9D1A-4DD4-B9E2-555138AE978C}"/>
+              </a:ext>
+            </a:extLst>
+          </p:cNvPr>
+          <p:cNvPicPr>
+            <a:picLocks noChangeAspect="1"/>
+          </p:cNvPicPr>
+          <p:nvPr/>
+        </p:nvPicPr>
+        <p:blipFill>
+          <a:blip r:embed="rId2" cstate="print">
+            <a:extLst>
+              <a:ext uri="{28A0092B-C50C-407E-A947-70E740481C1C}">
+                <a14:useLocalDpi xmlns:a14="http://schemas.microsoft.com/office/drawing/2010/main" val="0"/>
+              </a:ext>
+            </a:extLst>
+          </a:blip>
+          <a:stretch>
+            <a:fillRect/>
+          </a:stretch>
+        </p:blipFill>
+        <p:spPr>
+          <a:xfrm>
+            <a:off x="417251" y="6268564"/>
+            <a:ext cx="1118586" cy="485886"/>
+          </a:xfrm>
+          <a:prstGeom prst="rect">
+            <a:avLst/>
+          </a:prstGeom>
+        </p:spPr>
+      </p:pic>
+      <p:sp>
+        <p:nvSpPr>
+          <p:cNvPr id="6" name="ZoneTexte 5">
+            <a:extLst>
+              <a:ext uri="{FF2B5EF4-FFF2-40B4-BE49-F238E27FC236}">
+                <a16:creationId xmlns:a16="http://schemas.microsoft.com/office/drawing/2014/main" id="{428EE206-1AE2-4365-950A-04444E94D89C}"/>
+              </a:ext>
+            </a:extLst>
+          </p:cNvPr>
+          <p:cNvSpPr txBox="1"/>
+          <p:nvPr/>
+        </p:nvSpPr>
+        <p:spPr>
+          <a:xfrm>
+            <a:off x="11353800" y="6357619"/>
+            <a:ext cx="648070" cy="307777"/>
+          </a:xfrm>
+          <a:prstGeom prst="rect">
+            <a:avLst/>
+          </a:prstGeom>
+          <a:noFill/>
+        </p:spPr>
+        <p:txBody>
+          <a:bodyPr wrap="square" rtlCol="0">
+            <a:spAutoFit/>
+          </a:bodyPr>
+          <a:lstStyle/>
+          <a:p>
+            <a:r>
+              <a:rPr lang="fr-CA" sz="1400" dirty="0"/>
+              <a:t>16/16</a:t>
+            </a:r>
+          </a:p>
+        </p:txBody>
+      </p:sp>
+      <p:cxnSp>
+        <p:nvCxnSpPr>
+          <p:cNvPr id="9" name="Connecteur droit 8">
+            <a:extLst>
+              <a:ext uri="{FF2B5EF4-FFF2-40B4-BE49-F238E27FC236}">
+                <a16:creationId xmlns:a16="http://schemas.microsoft.com/office/drawing/2014/main" id="{0861B5AC-6EB0-4312-AF3B-944271213719}"/>
+              </a:ext>
+            </a:extLst>
+          </p:cNvPr>
+          <p:cNvCxnSpPr>
+            <a:cxnSpLocks/>
+          </p:cNvCxnSpPr>
+          <p:nvPr/>
+        </p:nvCxnSpPr>
+        <p:spPr>
+          <a:xfrm>
+            <a:off x="201227" y="1003176"/>
+            <a:ext cx="11789546" cy="0"/>
+          </a:xfrm>
+          <a:prstGeom prst="line">
+            <a:avLst/>
+          </a:prstGeom>
+          <a:ln w="19050">
+            <a:solidFill>
+              <a:srgbClr val="C00000"/>
+            </a:solidFill>
+          </a:ln>
+        </p:spPr>
+        <p:style>
+          <a:lnRef idx="1">
+            <a:schemeClr val="accent1"/>
+          </a:lnRef>
+          <a:fillRef idx="0">
+            <a:schemeClr val="accent1"/>
+          </a:fillRef>
+          <a:effectRef idx="0">
+            <a:schemeClr val="accent1"/>
+          </a:effectRef>
+          <a:fontRef idx="minor">
+            <a:schemeClr val="tx1"/>
+          </a:fontRef>
+        </p:style>
+      </p:cxnSp>
+    </p:spTree>
+    <p:extLst>
+      <p:ext uri="{BB962C8B-B14F-4D97-AF65-F5344CB8AC3E}">
+        <p14:creationId xmlns:p14="http://schemas.microsoft.com/office/powerpoint/2010/main" val="4187721193"/>
+      </p:ext>
+    </p:extLst>
+  </p:cSld>
+  <p:clrMapOvr>
+    <a:masterClrMapping/>
+  </p:clrMapOvr>
+</p:sld>
+</file>
+
+<file path=ppt/slides/slide7.xml><?xml version="1.0" encoding="utf-8"?>
+<p:sld xmlns:a="http://schemas.openxmlformats.org/drawingml/2006/main" xmlns:r="http://schemas.openxmlformats.org/officeDocument/2006/relationships" xmlns:p="http://schemas.openxmlformats.org/presentationml/2006/main">
+  <p:cSld>
+    <p:spTree>
+      <p:nvGrpSpPr>
+        <p:cNvPr id="1" name=""/>
+        <p:cNvGrpSpPr/>
+        <p:nvPr/>
+      </p:nvGrpSpPr>
+      <p:grpSpPr>
+        <a:xfrm>
+          <a:off x="0" y="0"/>
+          <a:ext cx="0" cy="0"/>
+          <a:chOff x="0" y="0"/>
+          <a:chExt cx="0" cy="0"/>
+        </a:xfrm>
+      </p:grpSpPr>
+      <p:sp>
+        <p:nvSpPr>
+          <p:cNvPr id="2" name="Titre 1"/>
+          <p:cNvSpPr>
+            <a:spLocks noGrp="1"/>
+          </p:cNvSpPr>
+          <p:nvPr>
+            <p:ph type="ctrTitle"/>
+          </p:nvPr>
+        </p:nvSpPr>
+        <p:spPr>
+          <a:xfrm>
+            <a:off x="201227" y="2236355"/>
+            <a:ext cx="11789546" cy="2387600"/>
+          </a:xfrm>
+        </p:spPr>
+        <p:txBody>
+          <a:bodyPr>
+            <a:normAutofit fontScale="90000"/>
+          </a:bodyPr>
+          <a:lstStyle/>
+          <a:p>
+            <a:r>
+              <a:rPr lang="fr-CA" sz="4400" b="1" dirty="0"/>
+              <a:t>Merci de votre attention</a:t>
+            </a:r>
+            <a:br>
+              <a:rPr lang="fr-CA" sz="4400" b="1" dirty="0"/>
+            </a:br>
+            <a:br>
+              <a:rPr lang="fr-CA" sz="4400" b="1" dirty="0"/>
+            </a:br>
+            <a:br>
+              <a:rPr lang="fr-CA" sz="4400" b="1" dirty="0"/>
+            </a:br>
+            <a:r>
+              <a:rPr lang="fr-CA" sz="3600" b="1" dirty="0"/>
+              <a:t>Période de questions </a:t>
+            </a:r>
+            <a:endParaRPr lang="de-DE" sz="4400" b="1" dirty="0"/>
+          </a:p>
+        </p:txBody>
+      </p:sp>
+      <p:sp>
+        <p:nvSpPr>
+          <p:cNvPr id="4" name="Rectangle 3">
+            <a:extLst>
+              <a:ext uri="{FF2B5EF4-FFF2-40B4-BE49-F238E27FC236}">
+                <a16:creationId xmlns:a16="http://schemas.microsoft.com/office/drawing/2014/main" id="{05844BC5-1B43-4506-A4AD-DAD6BCEC198D}"/>
+              </a:ext>
+            </a:extLst>
+          </p:cNvPr>
+          <p:cNvSpPr/>
+          <p:nvPr/>
+        </p:nvSpPr>
+        <p:spPr>
+          <a:xfrm>
+            <a:off x="201227" y="5687713"/>
+            <a:ext cx="11789546" cy="45719"/>
+          </a:xfrm>
+          <a:prstGeom prst="rect">
+            <a:avLst/>
+          </a:prstGeom>
+          <a:solidFill>
+            <a:srgbClr val="C00000"/>
+          </a:solidFill>
+          <a:ln>
+            <a:solidFill>
+              <a:srgbClr val="C00000"/>
+            </a:solidFill>
+          </a:ln>
+        </p:spPr>
+        <p:style>
+          <a:lnRef idx="2">
+            <a:schemeClr val="accent1">
+              <a:shade val="50000"/>
+            </a:schemeClr>
+          </a:lnRef>
+          <a:fillRef idx="1">
+            <a:schemeClr val="accent1"/>
+          </a:fillRef>
+          <a:effectRef idx="0">
+            <a:schemeClr val="accent1"/>
+          </a:effectRef>
+          <a:fontRef idx="minor">
+            <a:schemeClr val="lt1"/>
+          </a:fontRef>
+        </p:style>
+        <p:txBody>
+          <a:bodyPr rtlCol="0" anchor="ctr"/>
+          <a:lstStyle/>
+          <a:p>
+            <a:pPr algn="ctr"/>
+            <a:endParaRPr lang="fr-CA"/>
+          </a:p>
+        </p:txBody>
+      </p:sp>
+      <p:pic>
+        <p:nvPicPr>
+          <p:cNvPr id="8" name="Image 7">
+            <a:extLst>
+              <a:ext uri="{FF2B5EF4-FFF2-40B4-BE49-F238E27FC236}">
+                <a16:creationId xmlns:a16="http://schemas.microsoft.com/office/drawing/2014/main" id="{8939EEE1-AA76-46E4-B72A-2651BD033E82}"/>
+              </a:ext>
+            </a:extLst>
+          </p:cNvPr>
+          <p:cNvPicPr>
+            <a:picLocks noChangeAspect="1"/>
+          </p:cNvPicPr>
+          <p:nvPr/>
+        </p:nvPicPr>
+        <p:blipFill>
+          <a:blip r:embed="rId2" cstate="print">
+            <a:extLst>
+              <a:ext uri="{28A0092B-C50C-407E-A947-70E740481C1C}">
+                <a14:useLocalDpi xmlns:a14="http://schemas.microsoft.com/office/drawing/2010/main" val="0"/>
+              </a:ext>
+            </a:extLst>
+          </a:blip>
+          <a:stretch>
+            <a:fillRect/>
+          </a:stretch>
+        </p:blipFill>
+        <p:spPr>
+          <a:xfrm>
+            <a:off x="452760" y="5902078"/>
+            <a:ext cx="1734105" cy="753252"/>
+          </a:xfrm>
+          <a:prstGeom prst="rect">
+            <a:avLst/>
+          </a:prstGeom>
+        </p:spPr>
+      </p:pic>
+    </p:spTree>
+    <p:extLst>
+      <p:ext uri="{BB962C8B-B14F-4D97-AF65-F5344CB8AC3E}">
+        <p14:creationId xmlns:p14="http://schemas.microsoft.com/office/powerpoint/2010/main" val="3830768712"/>
       </p:ext>
     </p:extLst>
   </p:cSld>
@@ -3451,9 +4693,9 @@
         <a:latin typeface="Calibri Light" panose="020F0302020204030204"/>
         <a:ea typeface=""/>
         <a:cs typeface=""/>
-        <a:font script="Jpan" typeface="游ゴシック Light"/>
+        <a:font script="Jpan" typeface="ＭＳ Ｐゴシック"/>
         <a:font script="Hang" typeface="맑은 고딕"/>
-        <a:font script="Hans" typeface="等线 Light"/>
+        <a:font script="Hans" typeface="宋体"/>
         <a:font script="Hant" typeface="新細明體"/>
         <a:font script="Arab" typeface="Times New Roman"/>
         <a:font script="Hebr" typeface="Times New Roman"/>
@@ -3481,31 +4723,14 @@
         <a:font script="Viet" typeface="Times New Roman"/>
         <a:font script="Uigh" typeface="Microsoft Uighur"/>
         <a:font script="Geor" typeface="Sylfaen"/>
-        <a:font script="Armn" typeface="Arial"/>
-        <a:font script="Bugi" typeface="Leelawadee UI"/>
-        <a:font script="Bopo" typeface="Microsoft JhengHei"/>
-        <a:font script="Java" typeface="Javanese Text"/>
-        <a:font script="Lisu" typeface="Segoe UI"/>
-        <a:font script="Mymr" typeface="Myanmar Text"/>
-        <a:font script="Nkoo" typeface="Ebrima"/>
-        <a:font script="Olck" typeface="Nirmala UI"/>
-        <a:font script="Osma" typeface="Ebrima"/>
-        <a:font script="Phag" typeface="Phagspa"/>
-        <a:font script="Syrn" typeface="Estrangelo Edessa"/>
-        <a:font script="Syrj" typeface="Estrangelo Edessa"/>
-        <a:font script="Syre" typeface="Estrangelo Edessa"/>
-        <a:font script="Sora" typeface="Nirmala UI"/>
-        <a:font script="Tale" typeface="Microsoft Tai Le"/>
-        <a:font script="Talu" typeface="Microsoft New Tai Lue"/>
-        <a:font script="Tfng" typeface="Ebrima"/>
       </a:majorFont>
       <a:minorFont>
         <a:latin typeface="Calibri" panose="020F0502020204030204"/>
         <a:ea typeface=""/>
         <a:cs typeface=""/>
-        <a:font script="Jpan" typeface="游ゴシック"/>
+        <a:font script="Jpan" typeface="ＭＳ Ｐゴシック"/>
         <a:font script="Hang" typeface="맑은 고딕"/>
-        <a:font script="Hans" typeface="等线"/>
+        <a:font script="Hans" typeface="宋体"/>
         <a:font script="Hant" typeface="新細明體"/>
         <a:font script="Arab" typeface="Arial"/>
         <a:font script="Hebr" typeface="Arial"/>
@@ -3533,23 +4758,6 @@
         <a:font script="Viet" typeface="Arial"/>
         <a:font script="Uigh" typeface="Microsoft Uighur"/>
         <a:font script="Geor" typeface="Sylfaen"/>
-        <a:font script="Armn" typeface="Arial"/>
-        <a:font script="Bugi" typeface="Leelawadee UI"/>
-        <a:font script="Bopo" typeface="Microsoft JhengHei"/>
-        <a:font script="Java" typeface="Javanese Text"/>
-        <a:font script="Lisu" typeface="Segoe UI"/>
-        <a:font script="Mymr" typeface="Myanmar Text"/>
-        <a:font script="Nkoo" typeface="Ebrima"/>
-        <a:font script="Olck" typeface="Nirmala UI"/>
-        <a:font script="Osma" typeface="Ebrima"/>
-        <a:font script="Phag" typeface="Phagspa"/>
-        <a:font script="Syrn" typeface="Estrangelo Edessa"/>
-        <a:font script="Syrj" typeface="Estrangelo Edessa"/>
-        <a:font script="Syre" typeface="Estrangelo Edessa"/>
-        <a:font script="Sora" typeface="Nirmala UI"/>
-        <a:font script="Tale" typeface="Microsoft Tai Le"/>
-        <a:font script="Talu" typeface="Microsoft New Tai Lue"/>
-        <a:font script="Tfng" typeface="Ebrima"/>
       </a:minorFont>
     </a:fontScheme>
     <a:fmtScheme name="Office">
@@ -3698,4 +4906,193 @@
     </a:ext>
   </a:extLst>
 </a:theme>
+</file>
+
+<file path=customXml/item1.xml><?xml version="1.0" encoding="utf-8"?>
+<?mso-contentType ?>
+<FormTemplates xmlns="http://schemas.microsoft.com/sharepoint/v3/contenttype/forms">
+  <Display>DocumentLibraryForm</Display>
+  <Edit>DocumentLibraryForm</Edit>
+  <New>DocumentLibraryForm</New>
+</FormTemplates>
+</file>
+
+<file path=customXml/item2.xml><?xml version="1.0" encoding="utf-8"?>
+<ct:contentTypeSchema xmlns:ct="http://schemas.microsoft.com/office/2006/metadata/contentType" xmlns:ma="http://schemas.microsoft.com/office/2006/metadata/properties/metaAttributes" ct:_="" ma:_="" ma:contentTypeName="Document" ma:contentTypeID="0x010100BC27DF7C10E71C41AD7473CE77E75930" ma:contentTypeVersion="2" ma:contentTypeDescription="Crée un document." ma:contentTypeScope="" ma:versionID="580b3e7f8a7578e2f106ffc6bc98f728">
+  <xsd:schema xmlns:xsd="http://www.w3.org/2001/XMLSchema" xmlns:xs="http://www.w3.org/2001/XMLSchema" xmlns:p="http://schemas.microsoft.com/office/2006/metadata/properties" xmlns:ns2="fa7b87f2-77a1-4ffe-b96a-4d1ccce8d419" targetNamespace="http://schemas.microsoft.com/office/2006/metadata/properties" ma:root="true" ma:fieldsID="665da0c2afbc34ecf5ad35f9505cf111" ns2:_="">
+    <xsd:import namespace="fa7b87f2-77a1-4ffe-b96a-4d1ccce8d419"/>
+    <xsd:element name="properties">
+      <xsd:complexType>
+        <xsd:sequence>
+          <xsd:element name="documentManagement">
+            <xsd:complexType>
+              <xsd:all>
+                <xsd:element ref="ns2:MediaServiceMetadata" minOccurs="0"/>
+                <xsd:element ref="ns2:MediaServiceFastMetadata" minOccurs="0"/>
+              </xsd:all>
+            </xsd:complexType>
+          </xsd:element>
+        </xsd:sequence>
+      </xsd:complexType>
+    </xsd:element>
+  </xsd:schema>
+  <xsd:schema xmlns:xsd="http://www.w3.org/2001/XMLSchema" xmlns:xs="http://www.w3.org/2001/XMLSchema" xmlns:dms="http://schemas.microsoft.com/office/2006/documentManagement/types" xmlns:pc="http://schemas.microsoft.com/office/infopath/2007/PartnerControls" targetNamespace="fa7b87f2-77a1-4ffe-b96a-4d1ccce8d419" elementFormDefault="qualified">
+    <xsd:import namespace="http://schemas.microsoft.com/office/2006/documentManagement/types"/>
+    <xsd:import namespace="http://schemas.microsoft.com/office/infopath/2007/PartnerControls"/>
+    <xsd:element name="MediaServiceMetadata" ma:index="8" nillable="true" ma:displayName="MediaServiceMetadata" ma:hidden="true" ma:internalName="MediaServiceMetadata" ma:readOnly="true">
+      <xsd:simpleType>
+        <xsd:restriction base="dms:Note"/>
+      </xsd:simpleType>
+    </xsd:element>
+    <xsd:element name="MediaServiceFastMetadata" ma:index="9" nillable="true" ma:displayName="MediaServiceFastMetadata" ma:hidden="true" ma:internalName="MediaServiceFastMetadata" ma:readOnly="true">
+      <xsd:simpleType>
+        <xsd:restriction base="dms:Note"/>
+      </xsd:simpleType>
+    </xsd:element>
+  </xsd:schema>
+  <xsd:schema xmlns="http://schemas.openxmlformats.org/package/2006/metadata/core-properties" xmlns:xsd="http://www.w3.org/2001/XMLSchema" xmlns:xsi="http://www.w3.org/2001/XMLSchema-instance" xmlns:dc="http://purl.org/dc/elements/1.1/" xmlns:dcterms="http://purl.org/dc/terms/" xmlns:odoc="http://schemas.microsoft.com/internal/obd" targetNamespace="http://schemas.openxmlformats.org/package/2006/metadata/core-properties" elementFormDefault="qualified" attributeFormDefault="unqualified" blockDefault="#all">
+    <xsd:import namespace="http://purl.org/dc/elements/1.1/" schemaLocation="http://dublincore.org/schemas/xmls/qdc/2003/04/02/dc.xsd"/>
+    <xsd:import namespace="http://purl.org/dc/terms/" schemaLocation="http://dublincore.org/schemas/xmls/qdc/2003/04/02/dcterms.xsd"/>
+    <xsd:element name="coreProperties" type="CT_coreProperties"/>
+    <xsd:complexType name="CT_coreProperties">
+      <xsd:all>
+        <xsd:element ref="dc:creator" minOccurs="0" maxOccurs="1"/>
+        <xsd:element ref="dcterms:created" minOccurs="0" maxOccurs="1"/>
+        <xsd:element ref="dc:identifier" minOccurs="0" maxOccurs="1"/>
+        <xsd:element name="contentType" minOccurs="0" maxOccurs="1" type="xsd:string" ma:index="0" ma:displayName="Type de contenu"/>
+        <xsd:element ref="dc:title" minOccurs="0" maxOccurs="1" ma:index="4" ma:displayName="Titre"/>
+        <xsd:element ref="dc:subject" minOccurs="0" maxOccurs="1"/>
+        <xsd:element ref="dc:description" minOccurs="0" maxOccurs="1"/>
+        <xsd:element name="keywords" minOccurs="0" maxOccurs="1" type="xsd:string"/>
+        <xsd:element ref="dc:language" minOccurs="0" maxOccurs="1"/>
+        <xsd:element name="category" minOccurs="0" maxOccurs="1" type="xsd:string"/>
+        <xsd:element name="version" minOccurs="0" maxOccurs="1" type="xsd:string"/>
+        <xsd:element name="revision" minOccurs="0" maxOccurs="1" type="xsd:string">
+          <xsd:annotation>
+            <xsd:documentation>
+                        This value indicates the number of saves or revisions. The application is responsible for updating this value after each revision.
+                    </xsd:documentation>
+          </xsd:annotation>
+        </xsd:element>
+        <xsd:element name="lastModifiedBy" minOccurs="0" maxOccurs="1" type="xsd:string"/>
+        <xsd:element ref="dcterms:modified" minOccurs="0" maxOccurs="1"/>
+        <xsd:element name="contentStatus" minOccurs="0" maxOccurs="1" type="xsd:string"/>
+      </xsd:all>
+    </xsd:complexType>
+  </xsd:schema>
+  <xs:schema xmlns:pc="http://schemas.microsoft.com/office/infopath/2007/PartnerControls" xmlns:xs="http://www.w3.org/2001/XMLSchema" targetNamespace="http://schemas.microsoft.com/office/infopath/2007/PartnerControls" elementFormDefault="qualified" attributeFormDefault="unqualified">
+    <xs:element name="Person">
+      <xs:complexType>
+        <xs:sequence>
+          <xs:element ref="pc:DisplayName" minOccurs="0"/>
+          <xs:element ref="pc:AccountId" minOccurs="0"/>
+          <xs:element ref="pc:AccountType" minOccurs="0"/>
+        </xs:sequence>
+      </xs:complexType>
+    </xs:element>
+    <xs:element name="DisplayName" type="xs:string"/>
+    <xs:element name="AccountId" type="xs:string"/>
+    <xs:element name="AccountType" type="xs:string"/>
+    <xs:element name="BDCAssociatedEntity">
+      <xs:complexType>
+        <xs:sequence>
+          <xs:element ref="pc:BDCEntity" minOccurs="0" maxOccurs="unbounded"/>
+        </xs:sequence>
+        <xs:attribute ref="pc:EntityNamespace"/>
+        <xs:attribute ref="pc:EntityName"/>
+        <xs:attribute ref="pc:SystemInstanceName"/>
+        <xs:attribute ref="pc:AssociationName"/>
+      </xs:complexType>
+    </xs:element>
+    <xs:attribute name="EntityNamespace" type="xs:string"/>
+    <xs:attribute name="EntityName" type="xs:string"/>
+    <xs:attribute name="SystemInstanceName" type="xs:string"/>
+    <xs:attribute name="AssociationName" type="xs:string"/>
+    <xs:element name="BDCEntity">
+      <xs:complexType>
+        <xs:sequence>
+          <xs:element ref="pc:EntityDisplayName" minOccurs="0"/>
+          <xs:element ref="pc:EntityInstanceReference" minOccurs="0"/>
+          <xs:element ref="pc:EntityId1" minOccurs="0"/>
+          <xs:element ref="pc:EntityId2" minOccurs="0"/>
+          <xs:element ref="pc:EntityId3" minOccurs="0"/>
+          <xs:element ref="pc:EntityId4" minOccurs="0"/>
+          <xs:element ref="pc:EntityId5" minOccurs="0"/>
+        </xs:sequence>
+      </xs:complexType>
+    </xs:element>
+    <xs:element name="EntityDisplayName" type="xs:string"/>
+    <xs:element name="EntityInstanceReference" type="xs:string"/>
+    <xs:element name="EntityId1" type="xs:string"/>
+    <xs:element name="EntityId2" type="xs:string"/>
+    <xs:element name="EntityId3" type="xs:string"/>
+    <xs:element name="EntityId4" type="xs:string"/>
+    <xs:element name="EntityId5" type="xs:string"/>
+    <xs:element name="Terms">
+      <xs:complexType>
+        <xs:sequence>
+          <xs:element ref="pc:TermInfo" minOccurs="0" maxOccurs="unbounded"/>
+        </xs:sequence>
+      </xs:complexType>
+    </xs:element>
+    <xs:element name="TermInfo">
+      <xs:complexType>
+        <xs:sequence>
+          <xs:element ref="pc:TermName" minOccurs="0"/>
+          <xs:element ref="pc:TermId" minOccurs="0"/>
+        </xs:sequence>
+      </xs:complexType>
+    </xs:element>
+    <xs:element name="TermName" type="xs:string"/>
+    <xs:element name="TermId" type="xs:string"/>
+  </xs:schema>
+</ct:contentTypeSchema>
+</file>
+
+<file path=customXml/item3.xml><?xml version="1.0" encoding="utf-8"?>
+<p:properties xmlns:p="http://schemas.microsoft.com/office/2006/metadata/properties" xmlns:xsi="http://www.w3.org/2001/XMLSchema-instance" xmlns:pc="http://schemas.microsoft.com/office/infopath/2007/PartnerControls">
+  <documentManagement/>
+</p:properties>
+</file>
+
+<file path=customXml/itemProps1.xml><?xml version="1.0" encoding="utf-8"?>
+<ds:datastoreItem xmlns:ds="http://schemas.openxmlformats.org/officeDocument/2006/customXml" ds:itemID="{E0628E93-B644-4EF4-BD57-EC7910E2A803}">
+  <ds:schemaRefs>
+    <ds:schemaRef ds:uri="http://schemas.microsoft.com/sharepoint/v3/contenttype/forms"/>
+  </ds:schemaRefs>
+</ds:datastoreItem>
+</file>
+
+<file path=customXml/itemProps2.xml><?xml version="1.0" encoding="utf-8"?>
+<ds:datastoreItem xmlns:ds="http://schemas.openxmlformats.org/officeDocument/2006/customXml" ds:itemID="{1400B2FA-AC86-4287-893D-3AB56F3293C8}">
+  <ds:schemaRefs>
+    <ds:schemaRef ds:uri="http://schemas.microsoft.com/office/2006/metadata/contentType"/>
+    <ds:schemaRef ds:uri="http://schemas.microsoft.com/office/2006/metadata/properties/metaAttributes"/>
+    <ds:schemaRef ds:uri="http://www.w3.org/2001/XMLSchema"/>
+    <ds:schemaRef ds:uri="http://schemas.microsoft.com/office/2006/metadata/properties"/>
+    <ds:schemaRef ds:uri="fa7b87f2-77a1-4ffe-b96a-4d1ccce8d419"/>
+    <ds:schemaRef ds:uri="http://schemas.microsoft.com/office/2006/documentManagement/types"/>
+    <ds:schemaRef ds:uri="http://schemas.microsoft.com/office/infopath/2007/PartnerControls"/>
+    <ds:schemaRef ds:uri="http://schemas.openxmlformats.org/package/2006/metadata/core-properties"/>
+    <ds:schemaRef ds:uri="http://purl.org/dc/elements/1.1/"/>
+    <ds:schemaRef ds:uri="http://purl.org/dc/terms/"/>
+    <ds:schemaRef ds:uri="http://schemas.microsoft.com/internal/obd"/>
+  </ds:schemaRefs>
+</ds:datastoreItem>
+</file>
+
+<file path=customXml/itemProps3.xml><?xml version="1.0" encoding="utf-8"?>
+<ds:datastoreItem xmlns:ds="http://schemas.openxmlformats.org/officeDocument/2006/customXml" ds:itemID="{27AAB6EC-6204-4C77-AC15-C9EE50B3DB34}">
+  <ds:schemaRefs>
+    <ds:schemaRef ds:uri="http://purl.org/dc/dcmitype/"/>
+    <ds:schemaRef ds:uri="http://schemas.microsoft.com/office/infopath/2007/PartnerControls"/>
+    <ds:schemaRef ds:uri="http://purl.org/dc/elements/1.1/"/>
+    <ds:schemaRef ds:uri="http://schemas.microsoft.com/office/2006/metadata/properties"/>
+    <ds:schemaRef ds:uri="http://schemas.microsoft.com/office/2006/documentManagement/types"/>
+    <ds:schemaRef ds:uri="fa7b87f2-77a1-4ffe-b96a-4d1ccce8d419"/>
+    <ds:schemaRef ds:uri="http://purl.org/dc/terms/"/>
+    <ds:schemaRef ds:uri="http://schemas.openxmlformats.org/package/2006/metadata/core-properties"/>
+    <ds:schemaRef ds:uri="http://www.w3.org/XML/1998/namespace"/>
+  </ds:schemaRefs>
+</ds:datastoreItem>
 </file>